--- a/kanoe.pptx
+++ b/kanoe.pptx
@@ -788,11 +788,25 @@
             </a:pPr>
             <a:r>
               <a:rPr lang="en-CA" dirty="0"/>
-              <a:t>Today I’m excited to introduce KANOE, a Generative AI Agent to demonstrate how we can simplify a lot of </a:t>
+              <a:t>Today I’m excited to introduce KANOE, a flight booking app that uses Generative AI Agents to demonstrate how we can simplify the integration challenges we face today</a:t>
+            </a:r>
+          </a:p>
+          <a:p>
+            <a:pPr marL="171450" lvl="0" indent="-171450" algn="l" rtl="0">
+              <a:spcBef>
+                <a:spcPts val="0"/>
+              </a:spcBef>
+              <a:spcAft>
+                <a:spcPts val="0"/>
+              </a:spcAft>
+            </a:pPr>
+            <a:r>
+              <a:rPr lang="en-US" dirty="0"/>
+              <a:t>It’s important to not confuse this with another popular 5-letter flight booking app with a </a:t>
             </a:r>
             <a:r>
-              <a:rPr lang="en-CA"/>
-              <a:t>integration challenges we face today</a:t>
+              <a:rPr lang="en-US"/>
+              <a:t>similar name ;)</a:t>
             </a:r>
             <a:endParaRPr dirty="0"/>
           </a:p>
@@ -4256,8 +4270,8 @@
         </p:nvSpPr>
         <p:spPr>
           <a:xfrm>
-            <a:off x="1280100" y="2840818"/>
-            <a:ext cx="6583800" cy="1156581"/>
+            <a:off x="1280097" y="2914643"/>
+            <a:ext cx="6583800" cy="674413"/>
           </a:xfrm>
           <a:prstGeom prst="rect">
             <a:avLst/>
@@ -4279,15 +4293,15 @@
               <a:buNone/>
             </a:pPr>
             <a:r>
-              <a:rPr lang="en" dirty="0"/>
-              <a:t>KANOE</a:t>
+              <a:rPr lang="en" sz="1800" dirty="0"/>
+              <a:t>Search for Cheap Flights &amp; Airline Tickets</a:t>
             </a:r>
             <a:br>
-              <a:rPr lang="en" dirty="0"/>
+              <a:rPr lang="en" sz="1800" dirty="0"/>
             </a:br>
             <a:r>
               <a:rPr lang="en" sz="1800" dirty="0"/>
-              <a:t>Unlocking the potential of Generative AI Agents</a:t>
+              <a:t>with Generative AI Agents</a:t>
             </a:r>
             <a:endParaRPr sz="1800" dirty="0"/>
           </a:p>
@@ -4305,7 +4319,7 @@
         </p:nvSpPr>
         <p:spPr>
           <a:xfrm>
-            <a:off x="2307600" y="4118380"/>
+            <a:off x="2307599" y="3931949"/>
             <a:ext cx="4528800" cy="475800"/>
           </a:xfrm>
           <a:prstGeom prst="rect">
@@ -4352,10 +4366,10 @@
       </p:sp>
       <p:pic>
         <p:nvPicPr>
-          <p:cNvPr id="5" name="Picture 4">
+          <p:cNvPr id="3" name="Picture 2">
             <a:extLst>
               <a:ext uri="{FF2B5EF4-FFF2-40B4-BE49-F238E27FC236}">
-                <a16:creationId xmlns:a16="http://schemas.microsoft.com/office/drawing/2014/main" id="{5C7A96A3-514C-D929-4D84-3CE4C6AD02BD}"/>
+                <a16:creationId xmlns:a16="http://schemas.microsoft.com/office/drawing/2014/main" id="{FD312045-50DC-AEF7-AAC6-7E701079CC0F}"/>
               </a:ext>
             </a:extLst>
           </p:cNvPr>
@@ -4372,8 +4386,8 @@
         </p:blipFill>
         <p:spPr>
           <a:xfrm>
-            <a:off x="3429000" y="527395"/>
-            <a:ext cx="2286000" cy="2286000"/>
+            <a:off x="1485467" y="1276169"/>
+            <a:ext cx="6173061" cy="1295581"/>
           </a:xfrm>
           <a:prstGeom prst="rect">
             <a:avLst/>

--- a/kanoe.pptx
+++ b/kanoe.pptx
@@ -5,15 +5,14 @@
     <p:sldMasterId id="2147483670" r:id="rId1"/>
   </p:sldMasterIdLst>
   <p:notesMasterIdLst>
-    <p:notesMasterId r:id="rId8"/>
+    <p:notesMasterId r:id="rId7"/>
   </p:notesMasterIdLst>
   <p:sldIdLst>
     <p:sldId id="256" r:id="rId2"/>
-    <p:sldId id="305" r:id="rId3"/>
-    <p:sldId id="306" r:id="rId4"/>
-    <p:sldId id="307" r:id="rId5"/>
-    <p:sldId id="308" r:id="rId6"/>
-    <p:sldId id="303" r:id="rId7"/>
+    <p:sldId id="309" r:id="rId3"/>
+    <p:sldId id="307" r:id="rId4"/>
+    <p:sldId id="308" r:id="rId5"/>
+    <p:sldId id="303" r:id="rId6"/>
   </p:sldIdLst>
   <p:sldSz cx="9144000" cy="5143500" type="screen16x9"/>
   <p:notesSz cx="6858000" cy="9144000"/>
@@ -871,27 +870,36 @@
           <a:p>
             <a:r>
               <a:rPr lang="en-US" dirty="0"/>
-              <a:t>When delivering a feature today, we often need to integrate with multiple systems</a:t>
+              <a:t>To deliver a feature, developers need to integrate with multiple systems today; leading to expensive development and collaboration efforts between teams </a:t>
+            </a:r>
+          </a:p>
+          <a:p>
+            <a:endParaRPr lang="en-US" dirty="0"/>
+          </a:p>
+          <a:p>
+            <a:r>
+              <a:rPr lang="en-US" dirty="0"/>
+              <a:t>Agents, such as those offered by Amazon Bedrock, allow us to orchestrate tasks between foundation models, data sources, software applications, and user conversations</a:t>
             </a:r>
           </a:p>
           <a:p>
             <a:r>
               <a:rPr lang="en-US" dirty="0"/>
-              <a:t>This effort involves huge collaboration between teams in addition to the development work required</a:t>
+              <a:t>This means agents can make API calls without a developer writing any orchestration code</a:t>
             </a:r>
           </a:p>
           <a:p>
-            <a:r>
-              <a:rPr lang="en-US" dirty="0"/>
-              <a:t>Let’s see how Generative AI Agents can provide help with this</a:t>
-            </a:r>
+            <a:pPr marL="158750" indent="0">
+              <a:buNone/>
+            </a:pPr>
+            <a:endParaRPr lang="en-US" dirty="0"/>
           </a:p>
         </p:txBody>
       </p:sp>
     </p:spTree>
     <p:extLst>
       <p:ext uri="{BB962C8B-B14F-4D97-AF65-F5344CB8AC3E}">
-        <p14:creationId xmlns:p14="http://schemas.microsoft.com/office/powerpoint/2010/main" val="1658934820"/>
+        <p14:creationId xmlns:p14="http://schemas.microsoft.com/office/powerpoint/2010/main" val="2254466991"/>
       </p:ext>
     </p:extLst>
   </p:cSld>
@@ -952,27 +960,45 @@
           <a:p>
             <a:r>
               <a:rPr lang="en-US" dirty="0"/>
-              <a:t>Agents complete actions by orchestrating interactions between foundation models, data sources, software applications, and user conversations</a:t>
+              <a:t>KANOE is a fictitious application meant to demonstrate how we can apply Agents and Generative AI to orchestrate and execute calls between our systems</a:t>
             </a:r>
           </a:p>
           <a:p>
             <a:r>
               <a:rPr lang="en-US" dirty="0"/>
-              <a:t>This means agents can automatically make API calls to take actions without us writing any orchestration code</a:t>
+              <a:t>It has 3 main features</a:t>
             </a:r>
           </a:p>
           <a:p>
+            <a:pPr lvl="1"/>
             <a:r>
               <a:rPr lang="en-US" dirty="0"/>
-              <a:t>Developers can save weeks of development effort by leveraging Generative AI Agents like the ones provided by Amazon Bedrock</a:t>
+              <a:t>Requiring a valid membership to search for and purchase flights, hitting our Member and Travel systems</a:t>
             </a:r>
+          </a:p>
+          <a:p>
+            <a:pPr lvl="1"/>
+            <a:r>
+              <a:rPr lang="en-US" dirty="0"/>
+              <a:t>Allowing members to apply reward dollars to their purchase, hitting our Loyalty system</a:t>
+            </a:r>
+          </a:p>
+          <a:p>
+            <a:pPr lvl="1"/>
+            <a:r>
+              <a:rPr lang="en-US" dirty="0"/>
+              <a:t>And using a saved credit card to purchase a flight, hitting our Payment system</a:t>
+            </a:r>
+          </a:p>
+          <a:p>
+            <a:endParaRPr lang="en-US" dirty="0"/>
           </a:p>
         </p:txBody>
       </p:sp>
     </p:spTree>
     <p:extLst>
       <p:ext uri="{BB962C8B-B14F-4D97-AF65-F5344CB8AC3E}">
-        <p14:creationId xmlns:p14="http://schemas.microsoft.com/office/powerpoint/2010/main" val="1477799219"/>
+        <p14:creationId xmlns:p14="http://schemas.microsoft.com/office/powerpoint/2010/main" val="173980009"/>
       </p:ext>
     </p:extLst>
   </p:cSld>
@@ -1033,45 +1059,69 @@
           <a:p>
             <a:r>
               <a:rPr lang="en-US" dirty="0"/>
-              <a:t>KANOE is a fictitious application meant to demonstrate how we can apply Agents and Generative AI to orchestrate and execute calls between our systems</a:t>
+              <a:t>A user interacts with KANOE through a conversational frontend with a </a:t>
+            </a:r>
+            <a:r>
+              <a:rPr lang="en-US" dirty="0" err="1"/>
+              <a:t>Websocket</a:t>
+            </a:r>
+            <a:endParaRPr lang="en-US" dirty="0"/>
+          </a:p>
+          <a:p>
+            <a:r>
+              <a:rPr lang="en-US" dirty="0"/>
+              <a:t>Bedrock Agents read the API documentation provided in </a:t>
+            </a:r>
+            <a:r>
+              <a:rPr lang="en-US" dirty="0" err="1"/>
+              <a:t>OpenAPI</a:t>
+            </a:r>
+            <a:r>
+              <a:rPr lang="en-US" dirty="0"/>
+              <a:t> format to understand the API actions available to it</a:t>
             </a:r>
           </a:p>
           <a:p>
             <a:r>
               <a:rPr lang="en-US" dirty="0"/>
-              <a:t>It has 3 features</a:t>
+              <a:t>Then using Claude as the foundational model, the Agent determines the next actions using Chain of Thought (</a:t>
+            </a:r>
+            <a:r>
+              <a:rPr lang="en-US" dirty="0" err="1"/>
+              <a:t>CoT</a:t>
+            </a:r>
+            <a:r>
+              <a:rPr lang="en-US" dirty="0"/>
+              <a:t>) reasoning</a:t>
             </a:r>
           </a:p>
           <a:p>
             <a:pPr lvl="1"/>
             <a:r>
               <a:rPr lang="en-US" dirty="0"/>
-              <a:t>Requiring a valid membership to search for and purchase flights, hitting our Member and Travel systems</a:t>
+              <a:t>Whether to prompt the user for additional information</a:t>
             </a:r>
           </a:p>
           <a:p>
             <a:pPr lvl="1"/>
             <a:r>
               <a:rPr lang="en-US" dirty="0"/>
-              <a:t>Allowing members to apply reward dollars to their purchase, hitting our Loyalty system</a:t>
+              <a:t>Orchestrate an action through an Action Group to invoke external APIs</a:t>
             </a:r>
           </a:p>
           <a:p>
             <a:pPr lvl="1"/>
             <a:r>
               <a:rPr lang="en-US" dirty="0"/>
-              <a:t>And using a saved credit card to purchase a flight, hitting our Payment system</a:t>
+              <a:t>Or, deny the request</a:t>
             </a:r>
-          </a:p>
-          <a:p>
-            <a:endParaRPr lang="en-US" dirty="0"/>
           </a:p>
         </p:txBody>
       </p:sp>
     </p:spTree>
     <p:extLst>
       <p:ext uri="{BB962C8B-B14F-4D97-AF65-F5344CB8AC3E}">
-        <p14:creationId xmlns:p14="http://schemas.microsoft.com/office/powerpoint/2010/main" val="173980009"/>
+        <p14:creationId xmlns:p14="http://schemas.microsoft.com/office/powerpoint/2010/main" val="2685554278"/>
       </p:ext>
     </p:extLst>
   </p:cSld>
@@ -1132,147 +1182,13 @@
           <a:p>
             <a:r>
               <a:rPr lang="en-US" dirty="0"/>
-              <a:t>A user interacts with our agent through a frontend that connects through a </a:t>
-            </a:r>
-            <a:r>
-              <a:rPr lang="en-US" dirty="0" err="1"/>
-              <a:t>Websocket</a:t>
-            </a:r>
-            <a:r>
-              <a:rPr lang="en-US" dirty="0"/>
-              <a:t> API</a:t>
-            </a:r>
-          </a:p>
-          <a:p>
-            <a:r>
-              <a:rPr lang="en-US" dirty="0"/>
-              <a:t>Bedrock Agents read the API documentation provided in </a:t>
-            </a:r>
-            <a:r>
-              <a:rPr lang="en-US" dirty="0" err="1"/>
-              <a:t>OpenAPI</a:t>
-            </a:r>
-            <a:r>
-              <a:rPr lang="en-US" dirty="0"/>
-              <a:t> format from an S3 bucket to get an understanding of the API features available to it</a:t>
-            </a:r>
-          </a:p>
-          <a:p>
-            <a:r>
-              <a:rPr lang="en-US" dirty="0"/>
-              <a:t>Using the foundational model, our agent uses Chain of Thought (</a:t>
-            </a:r>
-            <a:r>
-              <a:rPr lang="en-US" dirty="0" err="1"/>
-              <a:t>CoT</a:t>
-            </a:r>
-            <a:r>
-              <a:rPr lang="en-US" dirty="0"/>
-              <a:t>) reasoning to determine the next action</a:t>
-            </a:r>
-          </a:p>
-          <a:p>
-            <a:pPr lvl="1"/>
-            <a:r>
-              <a:rPr lang="en-US" dirty="0"/>
-              <a:t>Whether to prompt the user for additional information</a:t>
-            </a:r>
-          </a:p>
-          <a:p>
-            <a:pPr lvl="1"/>
-            <a:r>
-              <a:rPr lang="en-US" dirty="0"/>
-              <a:t>Orchestrate an action through an Action Group to invoke external APIs</a:t>
-            </a:r>
-          </a:p>
-          <a:p>
-            <a:pPr lvl="1"/>
-            <a:r>
-              <a:rPr lang="en-US" dirty="0"/>
-              <a:t>Or, deny the request</a:t>
-            </a:r>
-          </a:p>
-        </p:txBody>
-      </p:sp>
-    </p:spTree>
-    <p:extLst>
-      <p:ext uri="{BB962C8B-B14F-4D97-AF65-F5344CB8AC3E}">
-        <p14:creationId xmlns:p14="http://schemas.microsoft.com/office/powerpoint/2010/main" val="2685554278"/>
-      </p:ext>
-    </p:extLst>
-  </p:cSld>
-  <p:clrMapOvr>
-    <a:masterClrMapping/>
-  </p:clrMapOvr>
-</p:notes>
-</file>
-
-<file path=ppt/notesSlides/notesSlide6.xml><?xml version="1.0" encoding="utf-8"?>
-<p:notes xmlns:a="http://schemas.openxmlformats.org/drawingml/2006/main" xmlns:r="http://schemas.openxmlformats.org/officeDocument/2006/relationships" xmlns:p="http://schemas.openxmlformats.org/presentationml/2006/main">
-  <p:cSld>
-    <p:spTree>
-      <p:nvGrpSpPr>
-        <p:cNvPr id="1" name=""/>
-        <p:cNvGrpSpPr/>
-        <p:nvPr/>
-      </p:nvGrpSpPr>
-      <p:grpSpPr>
-        <a:xfrm>
-          <a:off x="0" y="0"/>
-          <a:ext cx="0" cy="0"/>
-          <a:chOff x="0" y="0"/>
-          <a:chExt cx="0" cy="0"/>
-        </a:xfrm>
-      </p:grpSpPr>
-      <p:sp>
-        <p:nvSpPr>
-          <p:cNvPr id="2" name="Slide Image Placeholder 1"/>
-          <p:cNvSpPr>
-            <a:spLocks noGrp="1" noRot="1" noChangeAspect="1"/>
-          </p:cNvSpPr>
-          <p:nvPr>
-            <p:ph type="sldImg"/>
-          </p:nvPr>
-        </p:nvSpPr>
-        <p:spPr>
-          <a:xfrm>
-            <a:off x="381000" y="685800"/>
-            <a:ext cx="6096000" cy="3429000"/>
-          </a:xfrm>
-        </p:spPr>
-      </p:sp>
-      <p:sp>
-        <p:nvSpPr>
-          <p:cNvPr id="3" name="Notes Placeholder 2"/>
-          <p:cNvSpPr>
-            <a:spLocks noGrp="1"/>
-          </p:cNvSpPr>
-          <p:nvPr>
-            <p:ph type="body" idx="1"/>
-          </p:nvPr>
-        </p:nvSpPr>
-        <p:spPr/>
-        <p:txBody>
-          <a:bodyPr/>
-          <a:lstStyle/>
-          <a:p>
-            <a:r>
-              <a:rPr lang="en-US" dirty="0"/>
               <a:t>The potential for this technology goes beyond just a chatbot for booking flights, I just use this as an example for demonstration.  </a:t>
             </a:r>
           </a:p>
           <a:p>
             <a:r>
               <a:rPr lang="en-US" dirty="0"/>
-              <a:t>So while we see this in </a:t>
-            </a:r>
-            <a:r>
-              <a:rPr lang="en-US"/>
-              <a:t>action, I </a:t>
-            </a:r>
-            <a:r>
-              <a:rPr lang="en-US" dirty="0"/>
-              <a:t>ask of you to think of how you can apply this to potential problems you may be experiencing today</a:t>
+              <a:t>So while we see this in action, I ask of you to think of how you can apply this to potential problems you may be experiencing today</a:t>
             </a:r>
           </a:p>
         </p:txBody>
@@ -4421,49 +4337,32 @@
       </p:grpSpPr>
       <p:pic>
         <p:nvPicPr>
-          <p:cNvPr id="2054" name="Picture 6">
+          <p:cNvPr id="3" name="Picture 2" descr="A group of gears with arrows&#10;&#10;Description automatically generated">
             <a:extLst>
               <a:ext uri="{FF2B5EF4-FFF2-40B4-BE49-F238E27FC236}">
-                <a16:creationId xmlns:a16="http://schemas.microsoft.com/office/drawing/2014/main" id="{F07EA7D1-8016-DE2C-00D5-FAA04458D344}"/>
+                <a16:creationId xmlns:a16="http://schemas.microsoft.com/office/drawing/2014/main" id="{78AC8CE0-3049-4570-CB08-EC5E227CBDC5}"/>
               </a:ext>
             </a:extLst>
           </p:cNvPr>
           <p:cNvPicPr>
-            <a:picLocks noChangeAspect="1" noChangeArrowheads="1"/>
+            <a:picLocks noChangeAspect="1"/>
           </p:cNvPicPr>
           <p:nvPr/>
         </p:nvPicPr>
         <p:blipFill>
-          <a:blip r:embed="rId3">
-            <a:extLst>
-              <a:ext uri="{28A0092B-C50C-407E-A947-70E740481C1C}">
-                <a14:useLocalDpi xmlns:a14="http://schemas.microsoft.com/office/drawing/2010/main" val="0"/>
-              </a:ext>
-            </a:extLst>
-          </a:blip>
-          <a:srcRect/>
+          <a:blip r:embed="rId3"/>
           <a:stretch>
             <a:fillRect/>
           </a:stretch>
         </p:blipFill>
-        <p:spPr bwMode="auto">
+        <p:spPr>
           <a:xfrm>
-            <a:off x="576670" y="1017725"/>
-            <a:ext cx="7990660" cy="3753946"/>
+            <a:off x="1858953" y="731375"/>
+            <a:ext cx="5679721" cy="3614368"/>
           </a:xfrm>
           <a:prstGeom prst="rect">
             <a:avLst/>
           </a:prstGeom>
-          <a:noFill/>
-          <a:extLst>
-            <a:ext uri="{909E8E84-426E-40DD-AFC4-6F175D3DCCD1}">
-              <a14:hiddenFill xmlns:a14="http://schemas.microsoft.com/office/drawing/2010/main">
-                <a:solidFill>
-                  <a:srgbClr val="FFFFFF"/>
-                </a:solidFill>
-              </a14:hiddenFill>
-            </a:ext>
-          </a:extLst>
         </p:spPr>
       </p:pic>
       <p:sp>
@@ -4494,7 +4393,51 @@
           <a:p>
             <a:r>
               <a:rPr lang="en-US" dirty="0"/>
-              <a:t>Problem</a:t>
+              <a:t>Generative AI Agents</a:t>
+            </a:r>
+          </a:p>
+        </p:txBody>
+      </p:sp>
+      <p:sp>
+        <p:nvSpPr>
+          <p:cNvPr id="6" name="TextBox 5">
+            <a:extLst>
+              <a:ext uri="{FF2B5EF4-FFF2-40B4-BE49-F238E27FC236}">
+                <a16:creationId xmlns:a16="http://schemas.microsoft.com/office/drawing/2014/main" id="{D3F7A9D3-BAF0-84A8-70BA-80CEC4AE5D3C}"/>
+              </a:ext>
+            </a:extLst>
+          </p:cNvPr>
+          <p:cNvSpPr txBox="1"/>
+          <p:nvPr/>
+        </p:nvSpPr>
+        <p:spPr>
+          <a:xfrm>
+            <a:off x="2981870" y="4020842"/>
+            <a:ext cx="3180259" cy="523220"/>
+          </a:xfrm>
+          <a:prstGeom prst="rect">
+            <a:avLst/>
+          </a:prstGeom>
+          <a:noFill/>
+        </p:spPr>
+        <p:txBody>
+          <a:bodyPr wrap="square" rtlCol="0">
+            <a:spAutoFit/>
+          </a:bodyPr>
+          <a:lstStyle/>
+          <a:p>
+            <a:pPr algn="ctr"/>
+            <a:r>
+              <a:rPr lang="en-US" dirty="0"/>
+              <a:t>Orchestrate and execute tasks using Chain of Thought (</a:t>
+            </a:r>
+            <a:r>
+              <a:rPr lang="en-US" dirty="0" err="1"/>
+              <a:t>CoT</a:t>
+            </a:r>
+            <a:r>
+              <a:rPr lang="en-US" dirty="0"/>
+              <a:t>) reasoning</a:t>
             </a:r>
           </a:p>
         </p:txBody>
@@ -4502,7 +4445,7 @@
     </p:spTree>
     <p:extLst>
       <p:ext uri="{BB962C8B-B14F-4D97-AF65-F5344CB8AC3E}">
-        <p14:creationId xmlns:p14="http://schemas.microsoft.com/office/powerpoint/2010/main" val="3732979471"/>
+        <p14:creationId xmlns:p14="http://schemas.microsoft.com/office/powerpoint/2010/main" val="2593000902"/>
       </p:ext>
     </p:extLst>
   </p:cSld>
@@ -4550,143 +4493,7 @@
           <a:bodyPr/>
           <a:lstStyle/>
           <a:p>
-            <a:r>
-              <a:rPr lang="en-US" dirty="0"/>
-              <a:t>Agents for Amazon Bedrock</a:t>
-            </a:r>
-          </a:p>
-        </p:txBody>
-      </p:sp>
-      <p:sp>
-        <p:nvSpPr>
-          <p:cNvPr id="3" name="TextBox 2">
-            <a:extLst>
-              <a:ext uri="{FF2B5EF4-FFF2-40B4-BE49-F238E27FC236}">
-                <a16:creationId xmlns:a16="http://schemas.microsoft.com/office/drawing/2014/main" id="{F656397C-8A62-F460-23B9-989743DE7A33}"/>
-              </a:ext>
-            </a:extLst>
-          </p:cNvPr>
-          <p:cNvSpPr txBox="1"/>
-          <p:nvPr/>
-        </p:nvSpPr>
-        <p:spPr>
-          <a:xfrm>
-            <a:off x="720000" y="1216324"/>
-            <a:ext cx="7889162" cy="1169551"/>
-          </a:xfrm>
-          <a:prstGeom prst="rect">
-            <a:avLst/>
-          </a:prstGeom>
-          <a:noFill/>
-        </p:spPr>
-        <p:txBody>
-          <a:bodyPr wrap="square" rtlCol="0">
-            <a:spAutoFit/>
-          </a:bodyPr>
-          <a:lstStyle/>
-          <a:p>
-            <a:pPr marL="285750" indent="-285750">
-              <a:buFont typeface="Arial" panose="020B0604020202020204" pitchFamily="34" charset="0"/>
-              <a:buChar char="•"/>
-            </a:pPr>
-            <a:r>
-              <a:rPr lang="en-US" dirty="0"/>
-              <a:t>Retrieval Augmented Generation (RAG)</a:t>
-            </a:r>
-            <a:br>
-              <a:rPr lang="en-US" dirty="0"/>
-            </a:br>
             <a:endParaRPr lang="en-US" dirty="0"/>
-          </a:p>
-          <a:p>
-            <a:pPr marL="285750" indent="-285750">
-              <a:buFont typeface="Arial" panose="020B0604020202020204" pitchFamily="34" charset="0"/>
-              <a:buChar char="•"/>
-            </a:pPr>
-            <a:r>
-              <a:rPr lang="en-US" dirty="0"/>
-              <a:t>Orchestrate and execute multistep tasks</a:t>
-            </a:r>
-            <a:br>
-              <a:rPr lang="en-US" dirty="0"/>
-            </a:br>
-            <a:endParaRPr lang="en-US" dirty="0"/>
-          </a:p>
-          <a:p>
-            <a:pPr marL="285750" indent="-285750">
-              <a:buFont typeface="Arial" panose="020B0604020202020204" pitchFamily="34" charset="0"/>
-              <a:buChar char="•"/>
-            </a:pPr>
-            <a:r>
-              <a:rPr lang="en-US" dirty="0"/>
-              <a:t>Traceable Chain of Thought (</a:t>
-            </a:r>
-            <a:r>
-              <a:rPr lang="en-US" dirty="0" err="1"/>
-              <a:t>CoT</a:t>
-            </a:r>
-            <a:r>
-              <a:rPr lang="en-US" dirty="0"/>
-              <a:t>) reasoning</a:t>
-            </a:r>
-          </a:p>
-        </p:txBody>
-      </p:sp>
-    </p:spTree>
-    <p:extLst>
-      <p:ext uri="{BB962C8B-B14F-4D97-AF65-F5344CB8AC3E}">
-        <p14:creationId xmlns:p14="http://schemas.microsoft.com/office/powerpoint/2010/main" val="2527380657"/>
-      </p:ext>
-    </p:extLst>
-  </p:cSld>
-  <p:clrMapOvr>
-    <a:masterClrMapping/>
-  </p:clrMapOvr>
-</p:sld>
-</file>
-
-<file path=ppt/slides/slide4.xml><?xml version="1.0" encoding="utf-8"?>
-<p:sld xmlns:a="http://schemas.openxmlformats.org/drawingml/2006/main" xmlns:r="http://schemas.openxmlformats.org/officeDocument/2006/relationships" xmlns:p="http://schemas.openxmlformats.org/presentationml/2006/main">
-  <p:cSld>
-    <p:spTree>
-      <p:nvGrpSpPr>
-        <p:cNvPr id="1" name=""/>
-        <p:cNvGrpSpPr/>
-        <p:nvPr/>
-      </p:nvGrpSpPr>
-      <p:grpSpPr>
-        <a:xfrm>
-          <a:off x="0" y="0"/>
-          <a:ext cx="0" cy="0"/>
-          <a:chOff x="0" y="0"/>
-          <a:chExt cx="0" cy="0"/>
-        </a:xfrm>
-      </p:grpSpPr>
-      <p:sp>
-        <p:nvSpPr>
-          <p:cNvPr id="2" name="Title 1">
-            <a:extLst>
-              <a:ext uri="{FF2B5EF4-FFF2-40B4-BE49-F238E27FC236}">
-                <a16:creationId xmlns:a16="http://schemas.microsoft.com/office/drawing/2014/main" id="{E54F440B-E0A6-A088-AC1C-0750285FD919}"/>
-              </a:ext>
-            </a:extLst>
-          </p:cNvPr>
-          <p:cNvSpPr>
-            <a:spLocks noGrp="1"/>
-          </p:cNvSpPr>
-          <p:nvPr>
-            <p:ph type="title"/>
-          </p:nvPr>
-        </p:nvSpPr>
-        <p:spPr/>
-        <p:txBody>
-          <a:bodyPr/>
-          <a:lstStyle/>
-          <a:p>
-            <a:r>
-              <a:rPr lang="en-US" dirty="0"/>
-              <a:t>KANOE</a:t>
-            </a:r>
           </a:p>
         </p:txBody>
       </p:sp>
@@ -4705,7 +4512,7 @@
         <p:spPr>
           <a:xfrm>
             <a:off x="792655" y="1223408"/>
-            <a:ext cx="7889162" cy="2031325"/>
+            <a:ext cx="7563760" cy="2677656"/>
           </a:xfrm>
           <a:prstGeom prst="rect">
             <a:avLst/>
@@ -4718,13 +4525,26 @@
           </a:bodyPr>
           <a:lstStyle/>
           <a:p>
+            <a:r>
+              <a:rPr lang="en-US" dirty="0"/>
+              <a:t>Search for and book cheap flights</a:t>
+            </a:r>
+            <a:br>
+              <a:rPr lang="en-US" dirty="0"/>
+            </a:br>
+            <a:endParaRPr lang="en-US" dirty="0"/>
+          </a:p>
+          <a:p>
+            <a:endParaRPr lang="en-US" dirty="0"/>
+          </a:p>
+          <a:p>
             <a:pPr marL="285750" indent="-285750">
               <a:buFont typeface="Arial" panose="020B0604020202020204" pitchFamily="34" charset="0"/>
               <a:buChar char="•"/>
             </a:pPr>
             <a:r>
               <a:rPr lang="en-US" dirty="0"/>
-              <a:t>A valid membership is required to search for and purchase flights</a:t>
+              <a:t>A valid membership is required</a:t>
             </a:r>
             <a:br>
               <a:rPr lang="en-US" dirty="0"/>
@@ -4741,7 +4561,7 @@
             </a:pPr>
             <a:r>
               <a:rPr lang="en-US" dirty="0"/>
-              <a:t>Member can apply any available reward dollars to the purchase</a:t>
+              <a:t>Apply reward dollars to the purchase</a:t>
             </a:r>
             <a:br>
               <a:rPr lang="en-US" dirty="0"/>
@@ -4758,7 +4578,7 @@
             </a:pPr>
             <a:r>
               <a:rPr lang="en-US" dirty="0"/>
-              <a:t>Member’s saved credit card can be used to purchase flight</a:t>
+              <a:t>Purchase with credit card</a:t>
             </a:r>
             <a:br>
               <a:rPr lang="en-US" dirty="0"/>
@@ -4784,7 +4604,7 @@
         </p:nvSpPr>
         <p:spPr>
           <a:xfrm>
-            <a:off x="6560820" y="1223408"/>
+            <a:off x="4818787" y="1870834"/>
             <a:ext cx="1816523" cy="307777"/>
           </a:xfrm>
           <a:prstGeom prst="rect">
@@ -4846,7 +4666,7 @@
         </p:nvSpPr>
         <p:spPr>
           <a:xfrm>
-            <a:off x="6560820" y="1872711"/>
+            <a:off x="4818787" y="2520137"/>
             <a:ext cx="809837" cy="307777"/>
           </a:xfrm>
           <a:prstGeom prst="rect">
@@ -4908,7 +4728,7 @@
         </p:nvSpPr>
         <p:spPr>
           <a:xfrm>
-            <a:off x="6560820" y="2540060"/>
+            <a:off x="4818787" y="3187486"/>
             <a:ext cx="931665" cy="307777"/>
           </a:xfrm>
           <a:prstGeom prst="rect">
@@ -4956,6 +4776,36 @@
           </a:p>
         </p:txBody>
       </p:sp>
+      <p:pic>
+        <p:nvPicPr>
+          <p:cNvPr id="3" name="Picture 2">
+            <a:extLst>
+              <a:ext uri="{FF2B5EF4-FFF2-40B4-BE49-F238E27FC236}">
+                <a16:creationId xmlns:a16="http://schemas.microsoft.com/office/drawing/2014/main" id="{A5245977-F8A9-A8FA-88C3-A2135068D9D5}"/>
+              </a:ext>
+            </a:extLst>
+          </p:cNvPr>
+          <p:cNvPicPr>
+            <a:picLocks noChangeAspect="1"/>
+          </p:cNvPicPr>
+          <p:nvPr/>
+        </p:nvPicPr>
+        <p:blipFill>
+          <a:blip r:embed="rId3"/>
+          <a:stretch>
+            <a:fillRect/>
+          </a:stretch>
+        </p:blipFill>
+        <p:spPr>
+          <a:xfrm>
+            <a:off x="792655" y="555223"/>
+            <a:ext cx="1843754" cy="386961"/>
+          </a:xfrm>
+          <a:prstGeom prst="rect">
+            <a:avLst/>
+          </a:prstGeom>
+        </p:spPr>
+      </p:pic>
     </p:spTree>
     <p:extLst>
       <p:ext uri="{BB962C8B-B14F-4D97-AF65-F5344CB8AC3E}">
@@ -4969,7 +4819,7 @@
 </p:sld>
 </file>
 
-<file path=ppt/slides/slide5.xml><?xml version="1.0" encoding="utf-8"?>
+<file path=ppt/slides/slide4.xml><?xml version="1.0" encoding="utf-8"?>
 <p:sld xmlns:a="http://schemas.openxmlformats.org/drawingml/2006/main" xmlns:r="http://schemas.openxmlformats.org/officeDocument/2006/relationships" xmlns:p="http://schemas.openxmlformats.org/presentationml/2006/main">
   <p:cSld>
     <p:spTree>
@@ -5302,7 +5152,7 @@
 </p:sld>
 </file>
 
-<file path=ppt/slides/slide6.xml><?xml version="1.0" encoding="utf-8"?>
+<file path=ppt/slides/slide5.xml><?xml version="1.0" encoding="utf-8"?>
 <p:sld xmlns:a="http://schemas.openxmlformats.org/drawingml/2006/main" xmlns:r="http://schemas.openxmlformats.org/officeDocument/2006/relationships" xmlns:p="http://schemas.openxmlformats.org/presentationml/2006/main">
   <p:cSld>
     <p:spTree>

--- a/kanoe.pptx
+++ b/kanoe.pptx
@@ -10,7 +10,7 @@
   <p:sldIdLst>
     <p:sldId id="256" r:id="rId2"/>
     <p:sldId id="309" r:id="rId3"/>
-    <p:sldId id="307" r:id="rId4"/>
+    <p:sldId id="310" r:id="rId4"/>
     <p:sldId id="308" r:id="rId5"/>
     <p:sldId id="303" r:id="rId6"/>
   </p:sldIdLst>
@@ -966,28 +966,28 @@
           <a:p>
             <a:r>
               <a:rPr lang="en-US" dirty="0"/>
-              <a:t>It has 3 main features</a:t>
+              <a:t>The Agent handles all the orchestration between each system, ensuring</a:t>
             </a:r>
           </a:p>
           <a:p>
             <a:pPr lvl="1"/>
             <a:r>
               <a:rPr lang="en-US" dirty="0"/>
-              <a:t>Requiring a valid membership to search for and purchase flights, hitting our Member and Travel systems</a:t>
+              <a:t>A valid membership is used to search for and purchase flights, &gt; hitting our Member and Travel systems</a:t>
             </a:r>
           </a:p>
           <a:p>
             <a:pPr lvl="1"/>
             <a:r>
               <a:rPr lang="en-US" dirty="0"/>
-              <a:t>Allowing members to apply reward dollars to their purchase, hitting our Loyalty system</a:t>
+              <a:t>Allowing members to apply reward dollars to their purchase, &gt; hitting our Loyalty system</a:t>
             </a:r>
           </a:p>
           <a:p>
             <a:pPr lvl="1"/>
             <a:r>
               <a:rPr lang="en-US" dirty="0"/>
-              <a:t>And using a saved credit card to purchase a flight, hitting our Payment system</a:t>
+              <a:t>And booking the flight using a saved credit card, hitting our Travel and Payment systems</a:t>
             </a:r>
           </a:p>
           <a:p>
@@ -998,7 +998,7 @@
     </p:spTree>
     <p:extLst>
       <p:ext uri="{BB962C8B-B14F-4D97-AF65-F5344CB8AC3E}">
-        <p14:creationId xmlns:p14="http://schemas.microsoft.com/office/powerpoint/2010/main" val="173980009"/>
+        <p14:creationId xmlns:p14="http://schemas.microsoft.com/office/powerpoint/2010/main" val="2068763144"/>
       </p:ext>
     </p:extLst>
   </p:cSld>
@@ -4472,12 +4472,548 @@
           <a:chExt cx="0" cy="0"/>
         </a:xfrm>
       </p:grpSpPr>
+      <p:grpSp>
+        <p:nvGrpSpPr>
+          <p:cNvPr id="19" name="Group 18">
+            <a:extLst>
+              <a:ext uri="{FF2B5EF4-FFF2-40B4-BE49-F238E27FC236}">
+                <a16:creationId xmlns:a16="http://schemas.microsoft.com/office/drawing/2014/main" id="{5E39E40F-36E0-558B-81F5-3BFB121B7ADA}"/>
+              </a:ext>
+            </a:extLst>
+          </p:cNvPr>
+          <p:cNvGrpSpPr/>
+          <p:nvPr/>
+        </p:nvGrpSpPr>
+        <p:grpSpPr>
+          <a:xfrm>
+            <a:off x="5961819" y="1999147"/>
+            <a:ext cx="1294966" cy="687725"/>
+            <a:chOff x="4185430" y="2180664"/>
+            <a:chExt cx="1294966" cy="687725"/>
+          </a:xfrm>
+        </p:grpSpPr>
+        <p:sp>
+          <p:nvSpPr>
+            <p:cNvPr id="15" name="Rectangle 14">
+              <a:extLst>
+                <a:ext uri="{FF2B5EF4-FFF2-40B4-BE49-F238E27FC236}">
+                  <a16:creationId xmlns:a16="http://schemas.microsoft.com/office/drawing/2014/main" id="{91F537C2-BAC0-38C3-ED81-91775A9D7061}"/>
+                </a:ext>
+              </a:extLst>
+            </p:cNvPr>
+            <p:cNvSpPr/>
+            <p:nvPr/>
+          </p:nvSpPr>
+          <p:spPr>
+            <a:xfrm>
+              <a:off x="4185430" y="2180664"/>
+              <a:ext cx="1294966" cy="687725"/>
+            </a:xfrm>
+            <a:prstGeom prst="rect">
+              <a:avLst/>
+            </a:prstGeom>
+            <a:solidFill>
+              <a:schemeClr val="accent6"/>
+            </a:solidFill>
+            <a:ln w="12700"/>
+          </p:spPr>
+          <p:style>
+            <a:lnRef idx="2">
+              <a:schemeClr val="accent1">
+                <a:shade val="15000"/>
+              </a:schemeClr>
+            </a:lnRef>
+            <a:fillRef idx="1">
+              <a:schemeClr val="accent1"/>
+            </a:fillRef>
+            <a:effectRef idx="0">
+              <a:schemeClr val="accent1"/>
+            </a:effectRef>
+            <a:fontRef idx="minor">
+              <a:schemeClr val="lt1"/>
+            </a:fontRef>
+          </p:style>
+          <p:txBody>
+            <a:bodyPr rtlCol="0" anchor="ctr"/>
+            <a:lstStyle/>
+            <a:p>
+              <a:pPr algn="ctr"/>
+              <a:endParaRPr lang="en-US">
+                <a:solidFill>
+                  <a:schemeClr val="bg1"/>
+                </a:solidFill>
+              </a:endParaRPr>
+            </a:p>
+          </p:txBody>
+        </p:sp>
+        <p:sp>
+          <p:nvSpPr>
+            <p:cNvPr id="5" name="TextBox 4">
+              <a:extLst>
+                <a:ext uri="{FF2B5EF4-FFF2-40B4-BE49-F238E27FC236}">
+                  <a16:creationId xmlns:a16="http://schemas.microsoft.com/office/drawing/2014/main" id="{F3ED878E-143F-1677-E120-A905B8CE19F2}"/>
+                </a:ext>
+              </a:extLst>
+            </p:cNvPr>
+            <p:cNvSpPr txBox="1"/>
+            <p:nvPr/>
+          </p:nvSpPr>
+          <p:spPr>
+            <a:xfrm>
+              <a:off x="4459854" y="2380867"/>
+              <a:ext cx="712054" cy="307777"/>
+            </a:xfrm>
+            <a:prstGeom prst="rect">
+              <a:avLst/>
+            </a:prstGeom>
+            <a:noFill/>
+          </p:spPr>
+          <p:txBody>
+            <a:bodyPr wrap="none" rtlCol="0">
+              <a:spAutoFit/>
+            </a:bodyPr>
+            <a:lstStyle/>
+            <a:p>
+              <a:r>
+                <a:rPr lang="en-US" b="1" dirty="0">
+                  <a:gradFill flip="none" rotWithShape="1">
+                    <a:gsLst>
+                      <a:gs pos="0">
+                        <a:srgbClr val="FF690F"/>
+                      </a:gs>
+                      <a:gs pos="100000">
+                        <a:srgbClr val="FFC000"/>
+                      </a:gs>
+                    </a:gsLst>
+                    <a:path path="circle">
+                      <a:fillToRect l="100000" t="100000"/>
+                    </a:path>
+                    <a:tileRect r="-100000" b="-100000"/>
+                  </a:gradFill>
+                </a:rPr>
+                <a:t>Travel</a:t>
+              </a:r>
+            </a:p>
+          </p:txBody>
+        </p:sp>
+      </p:grpSp>
+      <p:grpSp>
+        <p:nvGrpSpPr>
+          <p:cNvPr id="20" name="Group 19">
+            <a:extLst>
+              <a:ext uri="{FF2B5EF4-FFF2-40B4-BE49-F238E27FC236}">
+                <a16:creationId xmlns:a16="http://schemas.microsoft.com/office/drawing/2014/main" id="{06CC654F-0320-C722-8BB3-10DB4C3BE339}"/>
+              </a:ext>
+            </a:extLst>
+          </p:cNvPr>
+          <p:cNvGrpSpPr/>
+          <p:nvPr/>
+        </p:nvGrpSpPr>
+        <p:grpSpPr>
+          <a:xfrm>
+            <a:off x="5961819" y="2872602"/>
+            <a:ext cx="1294966" cy="687725"/>
+            <a:chOff x="6797954" y="758117"/>
+            <a:chExt cx="1294966" cy="687725"/>
+          </a:xfrm>
+        </p:grpSpPr>
+        <p:sp>
+          <p:nvSpPr>
+            <p:cNvPr id="16" name="Rectangle 15">
+              <a:extLst>
+                <a:ext uri="{FF2B5EF4-FFF2-40B4-BE49-F238E27FC236}">
+                  <a16:creationId xmlns:a16="http://schemas.microsoft.com/office/drawing/2014/main" id="{2B20705A-0A34-5BF8-1B42-F9C6258BF339}"/>
+                </a:ext>
+              </a:extLst>
+            </p:cNvPr>
+            <p:cNvSpPr/>
+            <p:nvPr/>
+          </p:nvSpPr>
+          <p:spPr>
+            <a:xfrm>
+              <a:off x="6797954" y="758117"/>
+              <a:ext cx="1294966" cy="687725"/>
+            </a:xfrm>
+            <a:prstGeom prst="rect">
+              <a:avLst/>
+            </a:prstGeom>
+            <a:solidFill>
+              <a:schemeClr val="accent6"/>
+            </a:solidFill>
+            <a:ln w="12700"/>
+          </p:spPr>
+          <p:style>
+            <a:lnRef idx="2">
+              <a:schemeClr val="accent1">
+                <a:shade val="15000"/>
+              </a:schemeClr>
+            </a:lnRef>
+            <a:fillRef idx="1">
+              <a:schemeClr val="accent1"/>
+            </a:fillRef>
+            <a:effectRef idx="0">
+              <a:schemeClr val="accent1"/>
+            </a:effectRef>
+            <a:fontRef idx="minor">
+              <a:schemeClr val="lt1"/>
+            </a:fontRef>
+          </p:style>
+          <p:txBody>
+            <a:bodyPr rtlCol="0" anchor="ctr"/>
+            <a:lstStyle/>
+            <a:p>
+              <a:pPr algn="ctr"/>
+              <a:endParaRPr lang="en-US">
+                <a:solidFill>
+                  <a:schemeClr val="bg1"/>
+                </a:solidFill>
+              </a:endParaRPr>
+            </a:p>
+          </p:txBody>
+        </p:sp>
+        <p:sp>
+          <p:nvSpPr>
+            <p:cNvPr id="6" name="TextBox 5">
+              <a:extLst>
+                <a:ext uri="{FF2B5EF4-FFF2-40B4-BE49-F238E27FC236}">
+                  <a16:creationId xmlns:a16="http://schemas.microsoft.com/office/drawing/2014/main" id="{898B3054-4FEE-1DFF-B8C8-33FAB74CE256}"/>
+                </a:ext>
+              </a:extLst>
+            </p:cNvPr>
+            <p:cNvSpPr txBox="1"/>
+            <p:nvPr/>
+          </p:nvSpPr>
+          <p:spPr>
+            <a:xfrm>
+              <a:off x="7040518" y="948090"/>
+              <a:ext cx="809837" cy="307777"/>
+            </a:xfrm>
+            <a:prstGeom prst="rect">
+              <a:avLst/>
+            </a:prstGeom>
+            <a:noFill/>
+          </p:spPr>
+          <p:txBody>
+            <a:bodyPr wrap="none" rtlCol="0">
+              <a:spAutoFit/>
+            </a:bodyPr>
+            <a:lstStyle/>
+            <a:p>
+              <a:r>
+                <a:rPr lang="en-US" b="1" dirty="0">
+                  <a:gradFill flip="none" rotWithShape="1">
+                    <a:gsLst>
+                      <a:gs pos="0">
+                        <a:srgbClr val="FF690F"/>
+                      </a:gs>
+                      <a:gs pos="100000">
+                        <a:srgbClr val="FFC000"/>
+                      </a:gs>
+                    </a:gsLst>
+                    <a:path path="circle">
+                      <a:fillToRect l="100000" t="100000"/>
+                    </a:path>
+                    <a:tileRect r="-100000" b="-100000"/>
+                  </a:gradFill>
+                </a:rPr>
+                <a:t>Loyalty</a:t>
+              </a:r>
+            </a:p>
+          </p:txBody>
+        </p:sp>
+      </p:grpSp>
+      <p:grpSp>
+        <p:nvGrpSpPr>
+          <p:cNvPr id="18" name="Group 17">
+            <a:extLst>
+              <a:ext uri="{FF2B5EF4-FFF2-40B4-BE49-F238E27FC236}">
+                <a16:creationId xmlns:a16="http://schemas.microsoft.com/office/drawing/2014/main" id="{6BEE5C45-AAF9-8859-4E88-1CF3F9A548E4}"/>
+              </a:ext>
+            </a:extLst>
+          </p:cNvPr>
+          <p:cNvGrpSpPr/>
+          <p:nvPr/>
+        </p:nvGrpSpPr>
+        <p:grpSpPr>
+          <a:xfrm>
+            <a:off x="5961819" y="3746057"/>
+            <a:ext cx="1294966" cy="687725"/>
+            <a:chOff x="4421893" y="3511039"/>
+            <a:chExt cx="1294966" cy="687725"/>
+          </a:xfrm>
+        </p:grpSpPr>
+        <p:sp>
+          <p:nvSpPr>
+            <p:cNvPr id="17" name="Rectangle 16">
+              <a:extLst>
+                <a:ext uri="{FF2B5EF4-FFF2-40B4-BE49-F238E27FC236}">
+                  <a16:creationId xmlns:a16="http://schemas.microsoft.com/office/drawing/2014/main" id="{7A729E37-912C-B1E3-F7C5-4AB5FB5887A4}"/>
+                </a:ext>
+              </a:extLst>
+            </p:cNvPr>
+            <p:cNvSpPr/>
+            <p:nvPr/>
+          </p:nvSpPr>
+          <p:spPr>
+            <a:xfrm>
+              <a:off x="4421893" y="3511039"/>
+              <a:ext cx="1294966" cy="687725"/>
+            </a:xfrm>
+            <a:prstGeom prst="rect">
+              <a:avLst/>
+            </a:prstGeom>
+            <a:solidFill>
+              <a:schemeClr val="accent6"/>
+            </a:solidFill>
+            <a:ln w="12700"/>
+          </p:spPr>
+          <p:style>
+            <a:lnRef idx="2">
+              <a:schemeClr val="accent1">
+                <a:shade val="15000"/>
+              </a:schemeClr>
+            </a:lnRef>
+            <a:fillRef idx="1">
+              <a:schemeClr val="accent1"/>
+            </a:fillRef>
+            <a:effectRef idx="0">
+              <a:schemeClr val="accent1"/>
+            </a:effectRef>
+            <a:fontRef idx="minor">
+              <a:schemeClr val="lt1"/>
+            </a:fontRef>
+          </p:style>
+          <p:txBody>
+            <a:bodyPr rtlCol="0" anchor="ctr"/>
+            <a:lstStyle/>
+            <a:p>
+              <a:pPr algn="ctr"/>
+              <a:endParaRPr lang="en-US">
+                <a:solidFill>
+                  <a:schemeClr val="bg1"/>
+                </a:solidFill>
+              </a:endParaRPr>
+            </a:p>
+          </p:txBody>
+        </p:sp>
+        <p:sp>
+          <p:nvSpPr>
+            <p:cNvPr id="7" name="TextBox 6">
+              <a:extLst>
+                <a:ext uri="{FF2B5EF4-FFF2-40B4-BE49-F238E27FC236}">
+                  <a16:creationId xmlns:a16="http://schemas.microsoft.com/office/drawing/2014/main" id="{2DFECB97-DB1A-0220-556E-423FB468F5B4}"/>
+                </a:ext>
+              </a:extLst>
+            </p:cNvPr>
+            <p:cNvSpPr txBox="1"/>
+            <p:nvPr/>
+          </p:nvSpPr>
+          <p:spPr>
+            <a:xfrm>
+              <a:off x="4603543" y="3701012"/>
+              <a:ext cx="931665" cy="307777"/>
+            </a:xfrm>
+            <a:prstGeom prst="rect">
+              <a:avLst/>
+            </a:prstGeom>
+            <a:noFill/>
+          </p:spPr>
+          <p:txBody>
+            <a:bodyPr wrap="none" rtlCol="0">
+              <a:spAutoFit/>
+            </a:bodyPr>
+            <a:lstStyle/>
+            <a:p>
+              <a:r>
+                <a:rPr lang="en-US" b="1" dirty="0">
+                  <a:gradFill flip="none" rotWithShape="1">
+                    <a:gsLst>
+                      <a:gs pos="0">
+                        <a:srgbClr val="FF690F"/>
+                      </a:gs>
+                      <a:gs pos="100000">
+                        <a:srgbClr val="FFC000"/>
+                      </a:gs>
+                    </a:gsLst>
+                    <a:path path="circle">
+                      <a:fillToRect l="100000" t="100000"/>
+                    </a:path>
+                    <a:tileRect r="-100000" b="-100000"/>
+                  </a:gradFill>
+                </a:rPr>
+                <a:t>Payment</a:t>
+              </a:r>
+            </a:p>
+          </p:txBody>
+        </p:sp>
+      </p:grpSp>
+      <p:pic>
+        <p:nvPicPr>
+          <p:cNvPr id="9" name="Graphic 8" descr="User with solid fill">
+            <a:extLst>
+              <a:ext uri="{FF2B5EF4-FFF2-40B4-BE49-F238E27FC236}">
+                <a16:creationId xmlns:a16="http://schemas.microsoft.com/office/drawing/2014/main" id="{ED97661E-61E8-A674-3804-5875CF7DBBAC}"/>
+              </a:ext>
+            </a:extLst>
+          </p:cNvPr>
+          <p:cNvPicPr>
+            <a:picLocks noChangeAspect="1"/>
+          </p:cNvPicPr>
+          <p:nvPr/>
+        </p:nvPicPr>
+        <p:blipFill>
+          <a:blip r:embed="rId3">
+            <a:extLst>
+              <a:ext uri="{96DAC541-7B7A-43D3-8B79-37D633B846F1}">
+                <asvg:svgBlip xmlns:asvg="http://schemas.microsoft.com/office/drawing/2016/SVG/main" r:embed="rId4"/>
+              </a:ext>
+            </a:extLst>
+          </a:blip>
+          <a:stretch>
+            <a:fillRect/>
+          </a:stretch>
+        </p:blipFill>
+        <p:spPr>
+          <a:xfrm>
+            <a:off x="1632433" y="2280834"/>
+            <a:ext cx="914400" cy="914400"/>
+          </a:xfrm>
+          <a:prstGeom prst="rect">
+            <a:avLst/>
+          </a:prstGeom>
+        </p:spPr>
+      </p:pic>
+      <p:grpSp>
+        <p:nvGrpSpPr>
+          <p:cNvPr id="21" name="Group 20">
+            <a:extLst>
+              <a:ext uri="{FF2B5EF4-FFF2-40B4-BE49-F238E27FC236}">
+                <a16:creationId xmlns:a16="http://schemas.microsoft.com/office/drawing/2014/main" id="{75666DB2-7161-E024-C941-6D28AE4C5A52}"/>
+              </a:ext>
+            </a:extLst>
+          </p:cNvPr>
+          <p:cNvGrpSpPr/>
+          <p:nvPr/>
+        </p:nvGrpSpPr>
+        <p:grpSpPr>
+          <a:xfrm>
+            <a:off x="5961819" y="1131677"/>
+            <a:ext cx="1294966" cy="687725"/>
+            <a:chOff x="5171908" y="758117"/>
+            <a:chExt cx="1294966" cy="687725"/>
+          </a:xfrm>
+        </p:grpSpPr>
+        <p:sp>
+          <p:nvSpPr>
+            <p:cNvPr id="2" name="Rectangle 1">
+              <a:extLst>
+                <a:ext uri="{FF2B5EF4-FFF2-40B4-BE49-F238E27FC236}">
+                  <a16:creationId xmlns:a16="http://schemas.microsoft.com/office/drawing/2014/main" id="{F1FC363A-AA88-BE12-4AF6-EBF5D25EA1B4}"/>
+                </a:ext>
+              </a:extLst>
+            </p:cNvPr>
+            <p:cNvSpPr/>
+            <p:nvPr/>
+          </p:nvSpPr>
+          <p:spPr>
+            <a:xfrm>
+              <a:off x="5171908" y="758117"/>
+              <a:ext cx="1294966" cy="687725"/>
+            </a:xfrm>
+            <a:prstGeom prst="rect">
+              <a:avLst/>
+            </a:prstGeom>
+            <a:solidFill>
+              <a:schemeClr val="accent6"/>
+            </a:solidFill>
+            <a:ln w="12700"/>
+          </p:spPr>
+          <p:style>
+            <a:lnRef idx="2">
+              <a:schemeClr val="accent1">
+                <a:shade val="15000"/>
+              </a:schemeClr>
+            </a:lnRef>
+            <a:fillRef idx="1">
+              <a:schemeClr val="accent1"/>
+            </a:fillRef>
+            <a:effectRef idx="0">
+              <a:schemeClr val="accent1"/>
+            </a:effectRef>
+            <a:fontRef idx="minor">
+              <a:schemeClr val="lt1"/>
+            </a:fontRef>
+          </p:style>
+          <p:txBody>
+            <a:bodyPr rtlCol="0" anchor="ctr"/>
+            <a:lstStyle/>
+            <a:p>
+              <a:pPr algn="ctr"/>
+              <a:endParaRPr lang="en-US">
+                <a:solidFill>
+                  <a:schemeClr val="bg1"/>
+                </a:solidFill>
+              </a:endParaRPr>
+            </a:p>
+          </p:txBody>
+        </p:sp>
+        <p:sp>
+          <p:nvSpPr>
+            <p:cNvPr id="10" name="TextBox 9">
+              <a:extLst>
+                <a:ext uri="{FF2B5EF4-FFF2-40B4-BE49-F238E27FC236}">
+                  <a16:creationId xmlns:a16="http://schemas.microsoft.com/office/drawing/2014/main" id="{21E6948B-78E7-032A-61EB-A1E8EC9E320F}"/>
+                </a:ext>
+              </a:extLst>
+            </p:cNvPr>
+            <p:cNvSpPr txBox="1"/>
+            <p:nvPr/>
+          </p:nvSpPr>
+          <p:spPr>
+            <a:xfrm>
+              <a:off x="5199670" y="957125"/>
+              <a:ext cx="1239442" cy="307777"/>
+            </a:xfrm>
+            <a:prstGeom prst="rect">
+              <a:avLst/>
+            </a:prstGeom>
+            <a:noFill/>
+          </p:spPr>
+          <p:txBody>
+            <a:bodyPr wrap="none" rtlCol="0">
+              <a:spAutoFit/>
+            </a:bodyPr>
+            <a:lstStyle/>
+            <a:p>
+              <a:r>
+                <a:rPr lang="en-US" b="1" dirty="0">
+                  <a:gradFill flip="none" rotWithShape="1">
+                    <a:gsLst>
+                      <a:gs pos="0">
+                        <a:srgbClr val="FF690F"/>
+                      </a:gs>
+                      <a:gs pos="100000">
+                        <a:srgbClr val="FFC000"/>
+                      </a:gs>
+                    </a:gsLst>
+                    <a:path path="circle">
+                      <a:fillToRect l="100000" t="100000"/>
+                    </a:path>
+                    <a:tileRect r="-100000" b="-100000"/>
+                  </a:gradFill>
+                </a:rPr>
+                <a:t>Membership</a:t>
+              </a:r>
+            </a:p>
+          </p:txBody>
+        </p:sp>
+      </p:grpSp>
       <p:sp>
         <p:nvSpPr>
-          <p:cNvPr id="2" name="Title 1">
+          <p:cNvPr id="12" name="Title 1">
             <a:extLst>
               <a:ext uri="{FF2B5EF4-FFF2-40B4-BE49-F238E27FC236}">
-                <a16:creationId xmlns:a16="http://schemas.microsoft.com/office/drawing/2014/main" id="{E54F440B-E0A6-A088-AC1C-0750285FD919}"/>
+                <a16:creationId xmlns:a16="http://schemas.microsoft.com/office/drawing/2014/main" id="{10A07A00-9122-E7D8-0BE8-8B3DA6BED6B1}"/>
               </a:ext>
             </a:extLst>
           </p:cNvPr>
@@ -4488,300 +5024,29 @@
             <p:ph type="title"/>
           </p:nvPr>
         </p:nvSpPr>
-        <p:spPr/>
+        <p:spPr>
+          <a:xfrm>
+            <a:off x="720000" y="445025"/>
+            <a:ext cx="7704000" cy="572700"/>
+          </a:xfrm>
+        </p:spPr>
         <p:txBody>
           <a:bodyPr/>
           <a:lstStyle/>
           <a:p>
-            <a:endParaRPr lang="en-US" dirty="0"/>
-          </a:p>
-        </p:txBody>
-      </p:sp>
-      <p:sp>
-        <p:nvSpPr>
-          <p:cNvPr id="4" name="TextBox 3">
-            <a:extLst>
-              <a:ext uri="{FF2B5EF4-FFF2-40B4-BE49-F238E27FC236}">
-                <a16:creationId xmlns:a16="http://schemas.microsoft.com/office/drawing/2014/main" id="{342B030F-C34A-19AF-C152-8736EDB83F79}"/>
-              </a:ext>
-            </a:extLst>
-          </p:cNvPr>
-          <p:cNvSpPr txBox="1"/>
-          <p:nvPr/>
-        </p:nvSpPr>
-        <p:spPr>
-          <a:xfrm>
-            <a:off x="792655" y="1223408"/>
-            <a:ext cx="7563760" cy="2677656"/>
-          </a:xfrm>
-          <a:prstGeom prst="rect">
-            <a:avLst/>
-          </a:prstGeom>
-          <a:noFill/>
-        </p:spPr>
-        <p:txBody>
-          <a:bodyPr wrap="square" rtlCol="0">
-            <a:spAutoFit/>
-          </a:bodyPr>
-          <a:lstStyle/>
-          <a:p>
             <a:r>
               <a:rPr lang="en-US" dirty="0"/>
-              <a:t>Search for and book cheap flights</a:t>
-            </a:r>
-            <a:br>
-              <a:rPr lang="en-US" dirty="0"/>
-            </a:br>
-            <a:endParaRPr lang="en-US" dirty="0"/>
-          </a:p>
-          <a:p>
-            <a:endParaRPr lang="en-US" dirty="0"/>
-          </a:p>
-          <a:p>
-            <a:pPr marL="285750" indent="-285750">
-              <a:buFont typeface="Arial" panose="020B0604020202020204" pitchFamily="34" charset="0"/>
-              <a:buChar char="•"/>
-            </a:pPr>
-            <a:r>
-              <a:rPr lang="en-US" dirty="0"/>
-              <a:t>A valid membership is required</a:t>
-            </a:r>
-            <a:br>
-              <a:rPr lang="en-US" dirty="0"/>
-            </a:br>
-            <a:br>
-              <a:rPr lang="en-US" dirty="0"/>
-            </a:br>
-            <a:endParaRPr lang="en-US" dirty="0"/>
-          </a:p>
-          <a:p>
-            <a:pPr marL="285750" indent="-285750">
-              <a:buFont typeface="Arial" panose="020B0604020202020204" pitchFamily="34" charset="0"/>
-              <a:buChar char="•"/>
-            </a:pPr>
-            <a:r>
-              <a:rPr lang="en-US" dirty="0"/>
-              <a:t>Apply reward dollars to the purchase</a:t>
-            </a:r>
-            <a:br>
-              <a:rPr lang="en-US" dirty="0"/>
-            </a:br>
-            <a:br>
-              <a:rPr lang="en-US" dirty="0"/>
-            </a:br>
-            <a:endParaRPr lang="en-US" dirty="0"/>
-          </a:p>
-          <a:p>
-            <a:pPr marL="285750" indent="-285750">
-              <a:buFont typeface="Arial" panose="020B0604020202020204" pitchFamily="34" charset="0"/>
-              <a:buChar char="•"/>
-            </a:pPr>
-            <a:r>
-              <a:rPr lang="en-US" dirty="0"/>
-              <a:t>Purchase with credit card</a:t>
-            </a:r>
-            <a:br>
-              <a:rPr lang="en-US" dirty="0"/>
-            </a:br>
-            <a:br>
-              <a:rPr lang="en-US" dirty="0"/>
-            </a:br>
-            <a:endParaRPr lang="en-US" dirty="0"/>
-          </a:p>
-        </p:txBody>
-      </p:sp>
-      <p:sp>
-        <p:nvSpPr>
-          <p:cNvPr id="5" name="TextBox 4">
-            <a:extLst>
-              <a:ext uri="{FF2B5EF4-FFF2-40B4-BE49-F238E27FC236}">
-                <a16:creationId xmlns:a16="http://schemas.microsoft.com/office/drawing/2014/main" id="{F3ED878E-143F-1677-E120-A905B8CE19F2}"/>
-              </a:ext>
-            </a:extLst>
-          </p:cNvPr>
-          <p:cNvSpPr txBox="1"/>
-          <p:nvPr/>
-        </p:nvSpPr>
-        <p:spPr>
-          <a:xfrm>
-            <a:off x="4818787" y="1870834"/>
-            <a:ext cx="1816523" cy="307777"/>
-          </a:xfrm>
-          <a:prstGeom prst="rect">
-            <a:avLst/>
-          </a:prstGeom>
-          <a:noFill/>
-        </p:spPr>
-        <p:txBody>
-          <a:bodyPr wrap="none" rtlCol="0">
-            <a:spAutoFit/>
-          </a:bodyPr>
-          <a:lstStyle/>
-          <a:p>
-            <a:r>
-              <a:rPr lang="en-US" b="1" dirty="0">
-                <a:gradFill flip="none" rotWithShape="1">
-                  <a:gsLst>
-                    <a:gs pos="0">
-                      <a:schemeClr val="accent2">
-                        <a:shade val="30000"/>
-                        <a:satMod val="115000"/>
-                      </a:schemeClr>
-                    </a:gs>
-                    <a:gs pos="50000">
-                      <a:schemeClr val="accent2">
-                        <a:shade val="67500"/>
-                        <a:satMod val="115000"/>
-                      </a:schemeClr>
-                    </a:gs>
-                    <a:gs pos="100000">
-                      <a:schemeClr val="accent2">
-                        <a:shade val="100000"/>
-                        <a:satMod val="115000"/>
-                      </a:schemeClr>
-                    </a:gs>
-                  </a:gsLst>
-                  <a:path path="circle">
-                    <a:fillToRect l="50000" t="50000" r="50000" b="50000"/>
-                  </a:path>
-                  <a:tileRect/>
-                </a:gradFill>
-              </a:rPr>
-              <a:t>Member and Travel</a:t>
-            </a:r>
-          </a:p>
-        </p:txBody>
-      </p:sp>
-      <p:sp>
-        <p:nvSpPr>
-          <p:cNvPr id="6" name="TextBox 5">
-            <a:extLst>
-              <a:ext uri="{FF2B5EF4-FFF2-40B4-BE49-F238E27FC236}">
-                <a16:creationId xmlns:a16="http://schemas.microsoft.com/office/drawing/2014/main" id="{898B3054-4FEE-1DFF-B8C8-33FAB74CE256}"/>
-              </a:ext>
-            </a:extLst>
-          </p:cNvPr>
-          <p:cNvSpPr txBox="1"/>
-          <p:nvPr/>
-        </p:nvSpPr>
-        <p:spPr>
-          <a:xfrm>
-            <a:off x="4818787" y="2520137"/>
-            <a:ext cx="809837" cy="307777"/>
-          </a:xfrm>
-          <a:prstGeom prst="rect">
-            <a:avLst/>
-          </a:prstGeom>
-          <a:noFill/>
-        </p:spPr>
-        <p:txBody>
-          <a:bodyPr wrap="none" rtlCol="0">
-            <a:spAutoFit/>
-          </a:bodyPr>
-          <a:lstStyle/>
-          <a:p>
-            <a:r>
-              <a:rPr lang="en-US" b="1" dirty="0">
-                <a:gradFill flip="none" rotWithShape="1">
-                  <a:gsLst>
-                    <a:gs pos="0">
-                      <a:schemeClr val="accent2">
-                        <a:shade val="30000"/>
-                        <a:satMod val="115000"/>
-                      </a:schemeClr>
-                    </a:gs>
-                    <a:gs pos="50000">
-                      <a:schemeClr val="accent2">
-                        <a:shade val="67500"/>
-                        <a:satMod val="115000"/>
-                      </a:schemeClr>
-                    </a:gs>
-                    <a:gs pos="100000">
-                      <a:schemeClr val="accent2">
-                        <a:shade val="100000"/>
-                        <a:satMod val="115000"/>
-                      </a:schemeClr>
-                    </a:gs>
-                  </a:gsLst>
-                  <a:path path="circle">
-                    <a:fillToRect l="50000" t="50000" r="50000" b="50000"/>
-                  </a:path>
-                  <a:tileRect/>
-                </a:gradFill>
-              </a:rPr>
-              <a:t>Loyalty</a:t>
-            </a:r>
-          </a:p>
-        </p:txBody>
-      </p:sp>
-      <p:sp>
-        <p:nvSpPr>
-          <p:cNvPr id="7" name="TextBox 6">
-            <a:extLst>
-              <a:ext uri="{FF2B5EF4-FFF2-40B4-BE49-F238E27FC236}">
-                <a16:creationId xmlns:a16="http://schemas.microsoft.com/office/drawing/2014/main" id="{2DFECB97-DB1A-0220-556E-423FB468F5B4}"/>
-              </a:ext>
-            </a:extLst>
-          </p:cNvPr>
-          <p:cNvSpPr txBox="1"/>
-          <p:nvPr/>
-        </p:nvSpPr>
-        <p:spPr>
-          <a:xfrm>
-            <a:off x="4818787" y="3187486"/>
-            <a:ext cx="931665" cy="307777"/>
-          </a:xfrm>
-          <a:prstGeom prst="rect">
-            <a:avLst/>
-          </a:prstGeom>
-          <a:noFill/>
-        </p:spPr>
-        <p:txBody>
-          <a:bodyPr wrap="none" rtlCol="0">
-            <a:spAutoFit/>
-          </a:bodyPr>
-          <a:lstStyle/>
-          <a:p>
-            <a:r>
-              <a:rPr lang="en-US" b="1" dirty="0">
-                <a:gradFill flip="none" rotWithShape="1">
-                  <a:gsLst>
-                    <a:gs pos="0">
-                      <a:schemeClr val="accent2">
-                        <a:shade val="30000"/>
-                        <a:satMod val="115000"/>
-                      </a:schemeClr>
-                    </a:gs>
-                    <a:gs pos="50000">
-                      <a:schemeClr val="accent2">
-                        <a:shade val="67500"/>
-                        <a:satMod val="115000"/>
-                      </a:schemeClr>
-                    </a:gs>
-                    <a:gs pos="100000">
-                      <a:schemeClr val="accent2">
-                        <a:shade val="100000"/>
-                        <a:satMod val="115000"/>
-                      </a:schemeClr>
-                    </a:gs>
-                  </a:gsLst>
-                  <a:path path="circle">
-                    <a:fillToRect l="50000" t="50000" r="50000" b="50000"/>
-                  </a:path>
-                  <a:tileRect/>
-                </a:gradFill>
-              </a:rPr>
-              <a:t>Payment</a:t>
+              <a:t>Workflow</a:t>
             </a:r>
           </a:p>
         </p:txBody>
       </p:sp>
       <p:pic>
         <p:nvPicPr>
-          <p:cNvPr id="3" name="Picture 2">
+          <p:cNvPr id="14" name="Picture 13">
             <a:extLst>
               <a:ext uri="{FF2B5EF4-FFF2-40B4-BE49-F238E27FC236}">
-                <a16:creationId xmlns:a16="http://schemas.microsoft.com/office/drawing/2014/main" id="{A5245977-F8A9-A8FA-88C3-A2135068D9D5}"/>
+                <a16:creationId xmlns:a16="http://schemas.microsoft.com/office/drawing/2014/main" id="{BA076F70-5000-32DB-A503-1D793593F47E}"/>
               </a:ext>
             </a:extLst>
           </p:cNvPr>
@@ -4791,31 +5056,1283 @@
           <p:nvPr/>
         </p:nvPicPr>
         <p:blipFill>
-          <a:blip r:embed="rId3"/>
+          <a:blip r:embed="rId5"/>
           <a:stretch>
             <a:fillRect/>
           </a:stretch>
         </p:blipFill>
         <p:spPr>
           <a:xfrm>
-            <a:off x="792655" y="555223"/>
-            <a:ext cx="1843754" cy="386961"/>
+            <a:off x="3717763" y="2353238"/>
+            <a:ext cx="788833" cy="769593"/>
           </a:xfrm>
           <a:prstGeom prst="rect">
             <a:avLst/>
           </a:prstGeom>
         </p:spPr>
       </p:pic>
+      <p:cxnSp>
+        <p:nvCxnSpPr>
+          <p:cNvPr id="23" name="Straight Connector 22">
+            <a:extLst>
+              <a:ext uri="{FF2B5EF4-FFF2-40B4-BE49-F238E27FC236}">
+                <a16:creationId xmlns:a16="http://schemas.microsoft.com/office/drawing/2014/main" id="{733FD2CB-A28F-4757-715D-9092BD4CF33A}"/>
+              </a:ext>
+            </a:extLst>
+          </p:cNvPr>
+          <p:cNvCxnSpPr>
+            <a:cxnSpLocks/>
+            <a:endCxn id="14" idx="1"/>
+          </p:cNvCxnSpPr>
+          <p:nvPr/>
+        </p:nvCxnSpPr>
+        <p:spPr>
+          <a:xfrm>
+            <a:off x="2286000" y="2738035"/>
+            <a:ext cx="1431763" cy="0"/>
+          </a:xfrm>
+          <a:prstGeom prst="line">
+            <a:avLst/>
+          </a:prstGeom>
+          <a:ln w="12700">
+            <a:solidFill>
+              <a:srgbClr val="000000"/>
+            </a:solidFill>
+          </a:ln>
+        </p:spPr>
+        <p:style>
+          <a:lnRef idx="1">
+            <a:schemeClr val="accent1"/>
+          </a:lnRef>
+          <a:fillRef idx="0">
+            <a:schemeClr val="accent1"/>
+          </a:fillRef>
+          <a:effectRef idx="0">
+            <a:schemeClr val="accent1"/>
+          </a:effectRef>
+          <a:fontRef idx="minor">
+            <a:schemeClr val="tx1"/>
+          </a:fontRef>
+        </p:style>
+      </p:cxnSp>
+      <p:cxnSp>
+        <p:nvCxnSpPr>
+          <p:cNvPr id="27" name="Straight Connector 26">
+            <a:extLst>
+              <a:ext uri="{FF2B5EF4-FFF2-40B4-BE49-F238E27FC236}">
+                <a16:creationId xmlns:a16="http://schemas.microsoft.com/office/drawing/2014/main" id="{41231B0D-9AF3-1D65-75FA-151065865929}"/>
+              </a:ext>
+            </a:extLst>
+          </p:cNvPr>
+          <p:cNvCxnSpPr>
+            <a:cxnSpLocks/>
+            <a:stCxn id="14" idx="3"/>
+            <a:endCxn id="2" idx="1"/>
+          </p:cNvCxnSpPr>
+          <p:nvPr/>
+        </p:nvCxnSpPr>
+        <p:spPr>
+          <a:xfrm flipV="1">
+            <a:off x="4506596" y="1475540"/>
+            <a:ext cx="1455223" cy="1262495"/>
+          </a:xfrm>
+          <a:prstGeom prst="line">
+            <a:avLst/>
+          </a:prstGeom>
+          <a:ln w="12700">
+            <a:solidFill>
+              <a:srgbClr val="000000"/>
+            </a:solidFill>
+          </a:ln>
+        </p:spPr>
+        <p:style>
+          <a:lnRef idx="1">
+            <a:schemeClr val="accent1"/>
+          </a:lnRef>
+          <a:fillRef idx="0">
+            <a:schemeClr val="accent1"/>
+          </a:fillRef>
+          <a:effectRef idx="0">
+            <a:schemeClr val="accent1"/>
+          </a:effectRef>
+          <a:fontRef idx="minor">
+            <a:schemeClr val="tx1"/>
+          </a:fontRef>
+        </p:style>
+      </p:cxnSp>
+      <p:cxnSp>
+        <p:nvCxnSpPr>
+          <p:cNvPr id="30" name="Straight Connector 29">
+            <a:extLst>
+              <a:ext uri="{FF2B5EF4-FFF2-40B4-BE49-F238E27FC236}">
+                <a16:creationId xmlns:a16="http://schemas.microsoft.com/office/drawing/2014/main" id="{F602AE76-335A-4A0F-EE49-00CD950D2343}"/>
+              </a:ext>
+            </a:extLst>
+          </p:cNvPr>
+          <p:cNvCxnSpPr>
+            <a:cxnSpLocks/>
+            <a:stCxn id="14" idx="3"/>
+            <a:endCxn id="15" idx="1"/>
+          </p:cNvCxnSpPr>
+          <p:nvPr/>
+        </p:nvCxnSpPr>
+        <p:spPr>
+          <a:xfrm flipV="1">
+            <a:off x="4506596" y="2343010"/>
+            <a:ext cx="1455223" cy="395025"/>
+          </a:xfrm>
+          <a:prstGeom prst="line">
+            <a:avLst/>
+          </a:prstGeom>
+          <a:ln w="12700">
+            <a:solidFill>
+              <a:srgbClr val="000000"/>
+            </a:solidFill>
+          </a:ln>
+        </p:spPr>
+        <p:style>
+          <a:lnRef idx="1">
+            <a:schemeClr val="accent1"/>
+          </a:lnRef>
+          <a:fillRef idx="0">
+            <a:schemeClr val="accent1"/>
+          </a:fillRef>
+          <a:effectRef idx="0">
+            <a:schemeClr val="accent1"/>
+          </a:effectRef>
+          <a:fontRef idx="minor">
+            <a:schemeClr val="tx1"/>
+          </a:fontRef>
+        </p:style>
+      </p:cxnSp>
+      <p:cxnSp>
+        <p:nvCxnSpPr>
+          <p:cNvPr id="33" name="Straight Connector 32">
+            <a:extLst>
+              <a:ext uri="{FF2B5EF4-FFF2-40B4-BE49-F238E27FC236}">
+                <a16:creationId xmlns:a16="http://schemas.microsoft.com/office/drawing/2014/main" id="{8368CF67-06D0-7D77-303A-B9BB4CD7DC73}"/>
+              </a:ext>
+            </a:extLst>
+          </p:cNvPr>
+          <p:cNvCxnSpPr>
+            <a:cxnSpLocks/>
+            <a:stCxn id="14" idx="3"/>
+            <a:endCxn id="16" idx="1"/>
+          </p:cNvCxnSpPr>
+          <p:nvPr/>
+        </p:nvCxnSpPr>
+        <p:spPr>
+          <a:xfrm>
+            <a:off x="4506596" y="2738035"/>
+            <a:ext cx="1455223" cy="478430"/>
+          </a:xfrm>
+          <a:prstGeom prst="line">
+            <a:avLst/>
+          </a:prstGeom>
+          <a:ln w="12700">
+            <a:solidFill>
+              <a:srgbClr val="000000"/>
+            </a:solidFill>
+          </a:ln>
+        </p:spPr>
+        <p:style>
+          <a:lnRef idx="1">
+            <a:schemeClr val="accent1"/>
+          </a:lnRef>
+          <a:fillRef idx="0">
+            <a:schemeClr val="accent1"/>
+          </a:fillRef>
+          <a:effectRef idx="0">
+            <a:schemeClr val="accent1"/>
+          </a:effectRef>
+          <a:fontRef idx="minor">
+            <a:schemeClr val="tx1"/>
+          </a:fontRef>
+        </p:style>
+      </p:cxnSp>
+      <p:cxnSp>
+        <p:nvCxnSpPr>
+          <p:cNvPr id="36" name="Straight Connector 35">
+            <a:extLst>
+              <a:ext uri="{FF2B5EF4-FFF2-40B4-BE49-F238E27FC236}">
+                <a16:creationId xmlns:a16="http://schemas.microsoft.com/office/drawing/2014/main" id="{2EF6AABF-7DDC-E32A-EE79-0FA2E2320038}"/>
+              </a:ext>
+            </a:extLst>
+          </p:cNvPr>
+          <p:cNvCxnSpPr>
+            <a:cxnSpLocks/>
+            <a:stCxn id="14" idx="3"/>
+            <a:endCxn id="17" idx="1"/>
+          </p:cNvCxnSpPr>
+          <p:nvPr/>
+        </p:nvCxnSpPr>
+        <p:spPr>
+          <a:xfrm>
+            <a:off x="4506596" y="2738035"/>
+            <a:ext cx="1455223" cy="1351885"/>
+          </a:xfrm>
+          <a:prstGeom prst="line">
+            <a:avLst/>
+          </a:prstGeom>
+          <a:ln w="12700">
+            <a:solidFill>
+              <a:srgbClr val="000000"/>
+            </a:solidFill>
+          </a:ln>
+        </p:spPr>
+        <p:style>
+          <a:lnRef idx="1">
+            <a:schemeClr val="accent1"/>
+          </a:lnRef>
+          <a:fillRef idx="0">
+            <a:schemeClr val="accent1"/>
+          </a:fillRef>
+          <a:effectRef idx="0">
+            <a:schemeClr val="accent1"/>
+          </a:effectRef>
+          <a:fontRef idx="minor">
+            <a:schemeClr val="tx1"/>
+          </a:fontRef>
+        </p:style>
+      </p:cxnSp>
+      <p:sp>
+        <p:nvSpPr>
+          <p:cNvPr id="39" name="Flowchart: Connector 38">
+            <a:extLst>
+              <a:ext uri="{FF2B5EF4-FFF2-40B4-BE49-F238E27FC236}">
+                <a16:creationId xmlns:a16="http://schemas.microsoft.com/office/drawing/2014/main" id="{07E751F1-ABE3-A737-BD2A-F261F5E2860D}"/>
+              </a:ext>
+            </a:extLst>
+          </p:cNvPr>
+          <p:cNvSpPr/>
+          <p:nvPr/>
+        </p:nvSpPr>
+        <p:spPr>
+          <a:xfrm>
+            <a:off x="7284547" y="1152265"/>
+            <a:ext cx="178420" cy="178420"/>
+          </a:xfrm>
+          <a:prstGeom prst="flowChartConnector">
+            <a:avLst/>
+          </a:prstGeom>
+          <a:solidFill>
+            <a:srgbClr val="FFC000"/>
+          </a:solidFill>
+          <a:ln>
+            <a:solidFill>
+              <a:srgbClr val="FFC000"/>
+            </a:solidFill>
+          </a:ln>
+        </p:spPr>
+        <p:style>
+          <a:lnRef idx="2">
+            <a:schemeClr val="accent1">
+              <a:shade val="15000"/>
+            </a:schemeClr>
+          </a:lnRef>
+          <a:fillRef idx="1">
+            <a:schemeClr val="accent1"/>
+          </a:fillRef>
+          <a:effectRef idx="0">
+            <a:schemeClr val="accent1"/>
+          </a:effectRef>
+          <a:fontRef idx="minor">
+            <a:schemeClr val="lt1"/>
+          </a:fontRef>
+        </p:style>
+        <p:txBody>
+          <a:bodyPr rtlCol="0" anchor="ctr"/>
+          <a:lstStyle/>
+          <a:p>
+            <a:pPr algn="ctr"/>
+            <a:endParaRPr lang="en-US"/>
+          </a:p>
+        </p:txBody>
+      </p:sp>
+      <p:sp>
+        <p:nvSpPr>
+          <p:cNvPr id="40" name="Flowchart: Connector 39">
+            <a:extLst>
+              <a:ext uri="{FF2B5EF4-FFF2-40B4-BE49-F238E27FC236}">
+                <a16:creationId xmlns:a16="http://schemas.microsoft.com/office/drawing/2014/main" id="{37098769-A9EA-B05E-204A-F22C96D8C01F}"/>
+              </a:ext>
+            </a:extLst>
+          </p:cNvPr>
+          <p:cNvSpPr/>
+          <p:nvPr/>
+        </p:nvSpPr>
+        <p:spPr>
+          <a:xfrm>
+            <a:off x="7284547" y="2017577"/>
+            <a:ext cx="178420" cy="178420"/>
+          </a:xfrm>
+          <a:prstGeom prst="flowChartConnector">
+            <a:avLst/>
+          </a:prstGeom>
+          <a:solidFill>
+            <a:srgbClr val="FFC000"/>
+          </a:solidFill>
+          <a:ln>
+            <a:solidFill>
+              <a:srgbClr val="FFC000"/>
+            </a:solidFill>
+          </a:ln>
+        </p:spPr>
+        <p:style>
+          <a:lnRef idx="2">
+            <a:schemeClr val="accent1">
+              <a:shade val="15000"/>
+            </a:schemeClr>
+          </a:lnRef>
+          <a:fillRef idx="1">
+            <a:schemeClr val="accent1"/>
+          </a:fillRef>
+          <a:effectRef idx="0">
+            <a:schemeClr val="accent1"/>
+          </a:effectRef>
+          <a:fontRef idx="minor">
+            <a:schemeClr val="lt1"/>
+          </a:fontRef>
+        </p:style>
+        <p:txBody>
+          <a:bodyPr rtlCol="0" anchor="ctr"/>
+          <a:lstStyle/>
+          <a:p>
+            <a:pPr algn="ctr"/>
+            <a:endParaRPr lang="en-US"/>
+          </a:p>
+        </p:txBody>
+      </p:sp>
+      <p:sp>
+        <p:nvSpPr>
+          <p:cNvPr id="41" name="Flowchart: Connector 40">
+            <a:extLst>
+              <a:ext uri="{FF2B5EF4-FFF2-40B4-BE49-F238E27FC236}">
+                <a16:creationId xmlns:a16="http://schemas.microsoft.com/office/drawing/2014/main" id="{5B65352D-BDCA-F016-64C2-DFF1D1C917A7}"/>
+              </a:ext>
+            </a:extLst>
+          </p:cNvPr>
+          <p:cNvSpPr/>
+          <p:nvPr/>
+        </p:nvSpPr>
+        <p:spPr>
+          <a:xfrm>
+            <a:off x="7284547" y="2897061"/>
+            <a:ext cx="178420" cy="178420"/>
+          </a:xfrm>
+          <a:prstGeom prst="flowChartConnector">
+            <a:avLst/>
+          </a:prstGeom>
+          <a:solidFill>
+            <a:srgbClr val="FFC000"/>
+          </a:solidFill>
+          <a:ln>
+            <a:solidFill>
+              <a:srgbClr val="FFC000"/>
+            </a:solidFill>
+          </a:ln>
+        </p:spPr>
+        <p:style>
+          <a:lnRef idx="2">
+            <a:schemeClr val="accent1">
+              <a:shade val="15000"/>
+            </a:schemeClr>
+          </a:lnRef>
+          <a:fillRef idx="1">
+            <a:schemeClr val="accent1"/>
+          </a:fillRef>
+          <a:effectRef idx="0">
+            <a:schemeClr val="accent1"/>
+          </a:effectRef>
+          <a:fontRef idx="minor">
+            <a:schemeClr val="lt1"/>
+          </a:fontRef>
+        </p:style>
+        <p:txBody>
+          <a:bodyPr rtlCol="0" anchor="ctr"/>
+          <a:lstStyle/>
+          <a:p>
+            <a:pPr algn="ctr"/>
+            <a:endParaRPr lang="en-US"/>
+          </a:p>
+        </p:txBody>
+      </p:sp>
+      <p:sp>
+        <p:nvSpPr>
+          <p:cNvPr id="42" name="Flowchart: Connector 41">
+            <a:extLst>
+              <a:ext uri="{FF2B5EF4-FFF2-40B4-BE49-F238E27FC236}">
+                <a16:creationId xmlns:a16="http://schemas.microsoft.com/office/drawing/2014/main" id="{B8E4B27C-0EFD-943C-0BC4-76F16A0933EF}"/>
+              </a:ext>
+            </a:extLst>
+          </p:cNvPr>
+          <p:cNvSpPr/>
+          <p:nvPr/>
+        </p:nvSpPr>
+        <p:spPr>
+          <a:xfrm>
+            <a:off x="7286258" y="3763179"/>
+            <a:ext cx="178420" cy="178420"/>
+          </a:xfrm>
+          <a:prstGeom prst="flowChartConnector">
+            <a:avLst/>
+          </a:prstGeom>
+          <a:solidFill>
+            <a:srgbClr val="FFC000"/>
+          </a:solidFill>
+          <a:ln>
+            <a:solidFill>
+              <a:srgbClr val="FFC000"/>
+            </a:solidFill>
+          </a:ln>
+        </p:spPr>
+        <p:style>
+          <a:lnRef idx="2">
+            <a:schemeClr val="accent1">
+              <a:shade val="15000"/>
+            </a:schemeClr>
+          </a:lnRef>
+          <a:fillRef idx="1">
+            <a:schemeClr val="accent1"/>
+          </a:fillRef>
+          <a:effectRef idx="0">
+            <a:schemeClr val="accent1"/>
+          </a:effectRef>
+          <a:fontRef idx="minor">
+            <a:schemeClr val="lt1"/>
+          </a:fontRef>
+        </p:style>
+        <p:txBody>
+          <a:bodyPr rtlCol="0" anchor="ctr"/>
+          <a:lstStyle/>
+          <a:p>
+            <a:pPr algn="ctr"/>
+            <a:endParaRPr lang="en-US"/>
+          </a:p>
+        </p:txBody>
+      </p:sp>
+      <p:sp>
+        <p:nvSpPr>
+          <p:cNvPr id="43" name="Flowchart: Connector 42">
+            <a:extLst>
+              <a:ext uri="{FF2B5EF4-FFF2-40B4-BE49-F238E27FC236}">
+                <a16:creationId xmlns:a16="http://schemas.microsoft.com/office/drawing/2014/main" id="{B0C160AC-4A61-DF2C-D174-41BD0E1A0114}"/>
+              </a:ext>
+            </a:extLst>
+          </p:cNvPr>
+          <p:cNvSpPr/>
+          <p:nvPr/>
+        </p:nvSpPr>
+        <p:spPr>
+          <a:xfrm>
+            <a:off x="7284547" y="2264028"/>
+            <a:ext cx="178420" cy="178420"/>
+          </a:xfrm>
+          <a:prstGeom prst="flowChartConnector">
+            <a:avLst/>
+          </a:prstGeom>
+          <a:solidFill>
+            <a:srgbClr val="FFC000"/>
+          </a:solidFill>
+          <a:ln>
+            <a:solidFill>
+              <a:srgbClr val="FFC000"/>
+            </a:solidFill>
+          </a:ln>
+        </p:spPr>
+        <p:style>
+          <a:lnRef idx="2">
+            <a:schemeClr val="accent1">
+              <a:shade val="15000"/>
+            </a:schemeClr>
+          </a:lnRef>
+          <a:fillRef idx="1">
+            <a:schemeClr val="accent1"/>
+          </a:fillRef>
+          <a:effectRef idx="0">
+            <a:schemeClr val="accent1"/>
+          </a:effectRef>
+          <a:fontRef idx="minor">
+            <a:schemeClr val="lt1"/>
+          </a:fontRef>
+        </p:style>
+        <p:txBody>
+          <a:bodyPr rtlCol="0" anchor="ctr"/>
+          <a:lstStyle/>
+          <a:p>
+            <a:pPr algn="ctr"/>
+            <a:endParaRPr lang="en-US"/>
+          </a:p>
+        </p:txBody>
+      </p:sp>
     </p:spTree>
     <p:extLst>
       <p:ext uri="{BB962C8B-B14F-4D97-AF65-F5344CB8AC3E}">
-        <p14:creationId xmlns:p14="http://schemas.microsoft.com/office/powerpoint/2010/main" val="4100996831"/>
+        <p14:creationId xmlns:p14="http://schemas.microsoft.com/office/powerpoint/2010/main" val="407536265"/>
       </p:ext>
     </p:extLst>
   </p:cSld>
   <p:clrMapOvr>
     <a:masterClrMapping/>
   </p:clrMapOvr>
+  <p:timing>
+    <p:tnLst>
+      <p:par>
+        <p:cTn id="1" dur="indefinite" restart="never" nodeType="tmRoot">
+          <p:childTnLst>
+            <p:seq concurrent="1" nextAc="seek">
+              <p:cTn id="2" dur="indefinite" nodeType="mainSeq">
+                <p:childTnLst>
+                  <p:par>
+                    <p:cTn id="3" fill="hold">
+                      <p:stCondLst>
+                        <p:cond delay="indefinite"/>
+                      </p:stCondLst>
+                      <p:childTnLst>
+                        <p:par>
+                          <p:cTn id="4" fill="hold">
+                            <p:stCondLst>
+                              <p:cond delay="0"/>
+                            </p:stCondLst>
+                            <p:childTnLst>
+                              <p:par>
+                                <p:cTn id="5" presetID="10" presetClass="entr" presetSubtype="0" fill="hold" nodeType="clickEffect">
+                                  <p:stCondLst>
+                                    <p:cond delay="0"/>
+                                  </p:stCondLst>
+                                  <p:childTnLst>
+                                    <p:set>
+                                      <p:cBhvr>
+                                        <p:cTn id="6" dur="1" fill="hold">
+                                          <p:stCondLst>
+                                            <p:cond delay="0"/>
+                                          </p:stCondLst>
+                                        </p:cTn>
+                                        <p:tgtEl>
+                                          <p:spTgt spid="9"/>
+                                        </p:tgtEl>
+                                        <p:attrNameLst>
+                                          <p:attrName>style.visibility</p:attrName>
+                                        </p:attrNameLst>
+                                      </p:cBhvr>
+                                      <p:to>
+                                        <p:strVal val="visible"/>
+                                      </p:to>
+                                    </p:set>
+                                    <p:animEffect transition="in" filter="fade">
+                                      <p:cBhvr>
+                                        <p:cTn id="7" dur="200"/>
+                                        <p:tgtEl>
+                                          <p:spTgt spid="9"/>
+                                        </p:tgtEl>
+                                      </p:cBhvr>
+                                    </p:animEffect>
+                                  </p:childTnLst>
+                                </p:cTn>
+                              </p:par>
+                            </p:childTnLst>
+                          </p:cTn>
+                        </p:par>
+                        <p:par>
+                          <p:cTn id="8" fill="hold">
+                            <p:stCondLst>
+                              <p:cond delay="200"/>
+                            </p:stCondLst>
+                            <p:childTnLst>
+                              <p:par>
+                                <p:cTn id="9" presetID="10" presetClass="entr" presetSubtype="0" fill="hold" nodeType="afterEffect">
+                                  <p:stCondLst>
+                                    <p:cond delay="0"/>
+                                  </p:stCondLst>
+                                  <p:childTnLst>
+                                    <p:set>
+                                      <p:cBhvr>
+                                        <p:cTn id="10" dur="1" fill="hold">
+                                          <p:stCondLst>
+                                            <p:cond delay="0"/>
+                                          </p:stCondLst>
+                                        </p:cTn>
+                                        <p:tgtEl>
+                                          <p:spTgt spid="23"/>
+                                        </p:tgtEl>
+                                        <p:attrNameLst>
+                                          <p:attrName>style.visibility</p:attrName>
+                                        </p:attrNameLst>
+                                      </p:cBhvr>
+                                      <p:to>
+                                        <p:strVal val="visible"/>
+                                      </p:to>
+                                    </p:set>
+                                    <p:animEffect transition="in" filter="fade">
+                                      <p:cBhvr>
+                                        <p:cTn id="11" dur="200"/>
+                                        <p:tgtEl>
+                                          <p:spTgt spid="23"/>
+                                        </p:tgtEl>
+                                      </p:cBhvr>
+                                    </p:animEffect>
+                                  </p:childTnLst>
+                                </p:cTn>
+                              </p:par>
+                            </p:childTnLst>
+                          </p:cTn>
+                        </p:par>
+                        <p:par>
+                          <p:cTn id="12" fill="hold">
+                            <p:stCondLst>
+                              <p:cond delay="400"/>
+                            </p:stCondLst>
+                            <p:childTnLst>
+                              <p:par>
+                                <p:cTn id="13" presetID="10" presetClass="entr" presetSubtype="0" fill="hold" nodeType="afterEffect">
+                                  <p:stCondLst>
+                                    <p:cond delay="0"/>
+                                  </p:stCondLst>
+                                  <p:childTnLst>
+                                    <p:set>
+                                      <p:cBhvr>
+                                        <p:cTn id="14" dur="1" fill="hold">
+                                          <p:stCondLst>
+                                            <p:cond delay="0"/>
+                                          </p:stCondLst>
+                                        </p:cTn>
+                                        <p:tgtEl>
+                                          <p:spTgt spid="14"/>
+                                        </p:tgtEl>
+                                        <p:attrNameLst>
+                                          <p:attrName>style.visibility</p:attrName>
+                                        </p:attrNameLst>
+                                      </p:cBhvr>
+                                      <p:to>
+                                        <p:strVal val="visible"/>
+                                      </p:to>
+                                    </p:set>
+                                    <p:animEffect transition="in" filter="fade">
+                                      <p:cBhvr>
+                                        <p:cTn id="15" dur="200"/>
+                                        <p:tgtEl>
+                                          <p:spTgt spid="14"/>
+                                        </p:tgtEl>
+                                      </p:cBhvr>
+                                    </p:animEffect>
+                                  </p:childTnLst>
+                                </p:cTn>
+                              </p:par>
+                            </p:childTnLst>
+                          </p:cTn>
+                        </p:par>
+                        <p:par>
+                          <p:cTn id="16" fill="hold">
+                            <p:stCondLst>
+                              <p:cond delay="600"/>
+                            </p:stCondLst>
+                            <p:childTnLst>
+                              <p:par>
+                                <p:cTn id="17" presetID="10" presetClass="entr" presetSubtype="0" fill="hold" nodeType="afterEffect">
+                                  <p:stCondLst>
+                                    <p:cond delay="0"/>
+                                  </p:stCondLst>
+                                  <p:childTnLst>
+                                    <p:set>
+                                      <p:cBhvr>
+                                        <p:cTn id="18" dur="1" fill="hold">
+                                          <p:stCondLst>
+                                            <p:cond delay="0"/>
+                                          </p:stCondLst>
+                                        </p:cTn>
+                                        <p:tgtEl>
+                                          <p:spTgt spid="21"/>
+                                        </p:tgtEl>
+                                        <p:attrNameLst>
+                                          <p:attrName>style.visibility</p:attrName>
+                                        </p:attrNameLst>
+                                      </p:cBhvr>
+                                      <p:to>
+                                        <p:strVal val="visible"/>
+                                      </p:to>
+                                    </p:set>
+                                    <p:animEffect transition="in" filter="fade">
+                                      <p:cBhvr>
+                                        <p:cTn id="19" dur="100"/>
+                                        <p:tgtEl>
+                                          <p:spTgt spid="21"/>
+                                        </p:tgtEl>
+                                      </p:cBhvr>
+                                    </p:animEffect>
+                                  </p:childTnLst>
+                                </p:cTn>
+                              </p:par>
+                            </p:childTnLst>
+                          </p:cTn>
+                        </p:par>
+                        <p:par>
+                          <p:cTn id="20" fill="hold">
+                            <p:stCondLst>
+                              <p:cond delay="700"/>
+                            </p:stCondLst>
+                            <p:childTnLst>
+                              <p:par>
+                                <p:cTn id="21" presetID="10" presetClass="entr" presetSubtype="0" fill="hold" nodeType="afterEffect">
+                                  <p:stCondLst>
+                                    <p:cond delay="0"/>
+                                  </p:stCondLst>
+                                  <p:childTnLst>
+                                    <p:set>
+                                      <p:cBhvr>
+                                        <p:cTn id="22" dur="1" fill="hold">
+                                          <p:stCondLst>
+                                            <p:cond delay="0"/>
+                                          </p:stCondLst>
+                                        </p:cTn>
+                                        <p:tgtEl>
+                                          <p:spTgt spid="19"/>
+                                        </p:tgtEl>
+                                        <p:attrNameLst>
+                                          <p:attrName>style.visibility</p:attrName>
+                                        </p:attrNameLst>
+                                      </p:cBhvr>
+                                      <p:to>
+                                        <p:strVal val="visible"/>
+                                      </p:to>
+                                    </p:set>
+                                    <p:animEffect transition="in" filter="fade">
+                                      <p:cBhvr>
+                                        <p:cTn id="23" dur="100"/>
+                                        <p:tgtEl>
+                                          <p:spTgt spid="19"/>
+                                        </p:tgtEl>
+                                      </p:cBhvr>
+                                    </p:animEffect>
+                                  </p:childTnLst>
+                                </p:cTn>
+                              </p:par>
+                            </p:childTnLst>
+                          </p:cTn>
+                        </p:par>
+                        <p:par>
+                          <p:cTn id="24" fill="hold">
+                            <p:stCondLst>
+                              <p:cond delay="800"/>
+                            </p:stCondLst>
+                            <p:childTnLst>
+                              <p:par>
+                                <p:cTn id="25" presetID="10" presetClass="entr" presetSubtype="0" fill="hold" nodeType="afterEffect">
+                                  <p:stCondLst>
+                                    <p:cond delay="0"/>
+                                  </p:stCondLst>
+                                  <p:childTnLst>
+                                    <p:set>
+                                      <p:cBhvr>
+                                        <p:cTn id="26" dur="1" fill="hold">
+                                          <p:stCondLst>
+                                            <p:cond delay="0"/>
+                                          </p:stCondLst>
+                                        </p:cTn>
+                                        <p:tgtEl>
+                                          <p:spTgt spid="20"/>
+                                        </p:tgtEl>
+                                        <p:attrNameLst>
+                                          <p:attrName>style.visibility</p:attrName>
+                                        </p:attrNameLst>
+                                      </p:cBhvr>
+                                      <p:to>
+                                        <p:strVal val="visible"/>
+                                      </p:to>
+                                    </p:set>
+                                    <p:animEffect transition="in" filter="fade">
+                                      <p:cBhvr>
+                                        <p:cTn id="27" dur="100"/>
+                                        <p:tgtEl>
+                                          <p:spTgt spid="20"/>
+                                        </p:tgtEl>
+                                      </p:cBhvr>
+                                    </p:animEffect>
+                                  </p:childTnLst>
+                                </p:cTn>
+                              </p:par>
+                            </p:childTnLst>
+                          </p:cTn>
+                        </p:par>
+                        <p:par>
+                          <p:cTn id="28" fill="hold">
+                            <p:stCondLst>
+                              <p:cond delay="900"/>
+                            </p:stCondLst>
+                            <p:childTnLst>
+                              <p:par>
+                                <p:cTn id="29" presetID="10" presetClass="entr" presetSubtype="0" fill="hold" nodeType="afterEffect">
+                                  <p:stCondLst>
+                                    <p:cond delay="0"/>
+                                  </p:stCondLst>
+                                  <p:childTnLst>
+                                    <p:set>
+                                      <p:cBhvr>
+                                        <p:cTn id="30" dur="1" fill="hold">
+                                          <p:stCondLst>
+                                            <p:cond delay="0"/>
+                                          </p:stCondLst>
+                                        </p:cTn>
+                                        <p:tgtEl>
+                                          <p:spTgt spid="18"/>
+                                        </p:tgtEl>
+                                        <p:attrNameLst>
+                                          <p:attrName>style.visibility</p:attrName>
+                                        </p:attrNameLst>
+                                      </p:cBhvr>
+                                      <p:to>
+                                        <p:strVal val="visible"/>
+                                      </p:to>
+                                    </p:set>
+                                    <p:animEffect transition="in" filter="fade">
+                                      <p:cBhvr>
+                                        <p:cTn id="31" dur="100"/>
+                                        <p:tgtEl>
+                                          <p:spTgt spid="18"/>
+                                        </p:tgtEl>
+                                      </p:cBhvr>
+                                    </p:animEffect>
+                                  </p:childTnLst>
+                                </p:cTn>
+                              </p:par>
+                            </p:childTnLst>
+                          </p:cTn>
+                        </p:par>
+                      </p:childTnLst>
+                    </p:cTn>
+                  </p:par>
+                  <p:par>
+                    <p:cTn id="32" fill="hold">
+                      <p:stCondLst>
+                        <p:cond delay="indefinite"/>
+                      </p:stCondLst>
+                      <p:childTnLst>
+                        <p:par>
+                          <p:cTn id="33" fill="hold">
+                            <p:stCondLst>
+                              <p:cond delay="0"/>
+                            </p:stCondLst>
+                            <p:childTnLst>
+                              <p:par>
+                                <p:cTn id="34" presetID="10" presetClass="entr" presetSubtype="0" fill="hold" nodeType="clickEffect">
+                                  <p:stCondLst>
+                                    <p:cond delay="0"/>
+                                  </p:stCondLst>
+                                  <p:childTnLst>
+                                    <p:set>
+                                      <p:cBhvr>
+                                        <p:cTn id="35" dur="1" fill="hold">
+                                          <p:stCondLst>
+                                            <p:cond delay="0"/>
+                                          </p:stCondLst>
+                                        </p:cTn>
+                                        <p:tgtEl>
+                                          <p:spTgt spid="27"/>
+                                        </p:tgtEl>
+                                        <p:attrNameLst>
+                                          <p:attrName>style.visibility</p:attrName>
+                                        </p:attrNameLst>
+                                      </p:cBhvr>
+                                      <p:to>
+                                        <p:strVal val="visible"/>
+                                      </p:to>
+                                    </p:set>
+                                    <p:animEffect transition="in" filter="fade">
+                                      <p:cBhvr>
+                                        <p:cTn id="36" dur="500"/>
+                                        <p:tgtEl>
+                                          <p:spTgt spid="27"/>
+                                        </p:tgtEl>
+                                      </p:cBhvr>
+                                    </p:animEffect>
+                                  </p:childTnLst>
+                                </p:cTn>
+                              </p:par>
+                              <p:par>
+                                <p:cTn id="37" presetID="10" presetClass="entr" presetSubtype="0" fill="hold" nodeType="withEffect">
+                                  <p:stCondLst>
+                                    <p:cond delay="0"/>
+                                  </p:stCondLst>
+                                  <p:childTnLst>
+                                    <p:set>
+                                      <p:cBhvr>
+                                        <p:cTn id="38" dur="1" fill="hold">
+                                          <p:stCondLst>
+                                            <p:cond delay="0"/>
+                                          </p:stCondLst>
+                                        </p:cTn>
+                                        <p:tgtEl>
+                                          <p:spTgt spid="30"/>
+                                        </p:tgtEl>
+                                        <p:attrNameLst>
+                                          <p:attrName>style.visibility</p:attrName>
+                                        </p:attrNameLst>
+                                      </p:cBhvr>
+                                      <p:to>
+                                        <p:strVal val="visible"/>
+                                      </p:to>
+                                    </p:set>
+                                    <p:animEffect transition="in" filter="fade">
+                                      <p:cBhvr>
+                                        <p:cTn id="39" dur="500"/>
+                                        <p:tgtEl>
+                                          <p:spTgt spid="30"/>
+                                        </p:tgtEl>
+                                      </p:cBhvr>
+                                    </p:animEffect>
+                                  </p:childTnLst>
+                                </p:cTn>
+                              </p:par>
+                              <p:par>
+                                <p:cTn id="40" presetID="10" presetClass="entr" presetSubtype="0" fill="hold" grpId="0" nodeType="withEffect">
+                                  <p:stCondLst>
+                                    <p:cond delay="0"/>
+                                  </p:stCondLst>
+                                  <p:childTnLst>
+                                    <p:set>
+                                      <p:cBhvr>
+                                        <p:cTn id="41" dur="1" fill="hold">
+                                          <p:stCondLst>
+                                            <p:cond delay="0"/>
+                                          </p:stCondLst>
+                                        </p:cTn>
+                                        <p:tgtEl>
+                                          <p:spTgt spid="39"/>
+                                        </p:tgtEl>
+                                        <p:attrNameLst>
+                                          <p:attrName>style.visibility</p:attrName>
+                                        </p:attrNameLst>
+                                      </p:cBhvr>
+                                      <p:to>
+                                        <p:strVal val="visible"/>
+                                      </p:to>
+                                    </p:set>
+                                    <p:animEffect transition="in" filter="fade">
+                                      <p:cBhvr>
+                                        <p:cTn id="42" dur="500"/>
+                                        <p:tgtEl>
+                                          <p:spTgt spid="39"/>
+                                        </p:tgtEl>
+                                      </p:cBhvr>
+                                    </p:animEffect>
+                                  </p:childTnLst>
+                                </p:cTn>
+                              </p:par>
+                              <p:par>
+                                <p:cTn id="43" presetID="10" presetClass="entr" presetSubtype="0" fill="hold" grpId="0" nodeType="withEffect">
+                                  <p:stCondLst>
+                                    <p:cond delay="0"/>
+                                  </p:stCondLst>
+                                  <p:childTnLst>
+                                    <p:set>
+                                      <p:cBhvr>
+                                        <p:cTn id="44" dur="1" fill="hold">
+                                          <p:stCondLst>
+                                            <p:cond delay="0"/>
+                                          </p:stCondLst>
+                                        </p:cTn>
+                                        <p:tgtEl>
+                                          <p:spTgt spid="40"/>
+                                        </p:tgtEl>
+                                        <p:attrNameLst>
+                                          <p:attrName>style.visibility</p:attrName>
+                                        </p:attrNameLst>
+                                      </p:cBhvr>
+                                      <p:to>
+                                        <p:strVal val="visible"/>
+                                      </p:to>
+                                    </p:set>
+                                    <p:animEffect transition="in" filter="fade">
+                                      <p:cBhvr>
+                                        <p:cTn id="45" dur="500"/>
+                                        <p:tgtEl>
+                                          <p:spTgt spid="40"/>
+                                        </p:tgtEl>
+                                      </p:cBhvr>
+                                    </p:animEffect>
+                                  </p:childTnLst>
+                                </p:cTn>
+                              </p:par>
+                            </p:childTnLst>
+                          </p:cTn>
+                        </p:par>
+                      </p:childTnLst>
+                    </p:cTn>
+                  </p:par>
+                  <p:par>
+                    <p:cTn id="46" fill="hold">
+                      <p:stCondLst>
+                        <p:cond delay="indefinite"/>
+                      </p:stCondLst>
+                      <p:childTnLst>
+                        <p:par>
+                          <p:cTn id="47" fill="hold">
+                            <p:stCondLst>
+                              <p:cond delay="0"/>
+                            </p:stCondLst>
+                            <p:childTnLst>
+                              <p:par>
+                                <p:cTn id="48" presetID="10" presetClass="entr" presetSubtype="0" fill="hold" nodeType="clickEffect">
+                                  <p:stCondLst>
+                                    <p:cond delay="0"/>
+                                  </p:stCondLst>
+                                  <p:childTnLst>
+                                    <p:set>
+                                      <p:cBhvr>
+                                        <p:cTn id="49" dur="1" fill="hold">
+                                          <p:stCondLst>
+                                            <p:cond delay="0"/>
+                                          </p:stCondLst>
+                                        </p:cTn>
+                                        <p:tgtEl>
+                                          <p:spTgt spid="33"/>
+                                        </p:tgtEl>
+                                        <p:attrNameLst>
+                                          <p:attrName>style.visibility</p:attrName>
+                                        </p:attrNameLst>
+                                      </p:cBhvr>
+                                      <p:to>
+                                        <p:strVal val="visible"/>
+                                      </p:to>
+                                    </p:set>
+                                    <p:animEffect transition="in" filter="fade">
+                                      <p:cBhvr>
+                                        <p:cTn id="50" dur="500"/>
+                                        <p:tgtEl>
+                                          <p:spTgt spid="33"/>
+                                        </p:tgtEl>
+                                      </p:cBhvr>
+                                    </p:animEffect>
+                                  </p:childTnLst>
+                                </p:cTn>
+                              </p:par>
+                              <p:par>
+                                <p:cTn id="51" presetID="10" presetClass="entr" presetSubtype="0" fill="hold" grpId="0" nodeType="withEffect">
+                                  <p:stCondLst>
+                                    <p:cond delay="0"/>
+                                  </p:stCondLst>
+                                  <p:childTnLst>
+                                    <p:set>
+                                      <p:cBhvr>
+                                        <p:cTn id="52" dur="1" fill="hold">
+                                          <p:stCondLst>
+                                            <p:cond delay="0"/>
+                                          </p:stCondLst>
+                                        </p:cTn>
+                                        <p:tgtEl>
+                                          <p:spTgt spid="41"/>
+                                        </p:tgtEl>
+                                        <p:attrNameLst>
+                                          <p:attrName>style.visibility</p:attrName>
+                                        </p:attrNameLst>
+                                      </p:cBhvr>
+                                      <p:to>
+                                        <p:strVal val="visible"/>
+                                      </p:to>
+                                    </p:set>
+                                    <p:animEffect transition="in" filter="fade">
+                                      <p:cBhvr>
+                                        <p:cTn id="53" dur="500"/>
+                                        <p:tgtEl>
+                                          <p:spTgt spid="41"/>
+                                        </p:tgtEl>
+                                      </p:cBhvr>
+                                    </p:animEffect>
+                                  </p:childTnLst>
+                                </p:cTn>
+                              </p:par>
+                            </p:childTnLst>
+                          </p:cTn>
+                        </p:par>
+                      </p:childTnLst>
+                    </p:cTn>
+                  </p:par>
+                  <p:par>
+                    <p:cTn id="54" fill="hold">
+                      <p:stCondLst>
+                        <p:cond delay="indefinite"/>
+                      </p:stCondLst>
+                      <p:childTnLst>
+                        <p:par>
+                          <p:cTn id="55" fill="hold">
+                            <p:stCondLst>
+                              <p:cond delay="0"/>
+                            </p:stCondLst>
+                            <p:childTnLst>
+                              <p:par>
+                                <p:cTn id="56" presetID="10" presetClass="entr" presetSubtype="0" fill="hold" nodeType="clickEffect">
+                                  <p:stCondLst>
+                                    <p:cond delay="0"/>
+                                  </p:stCondLst>
+                                  <p:childTnLst>
+                                    <p:set>
+                                      <p:cBhvr>
+                                        <p:cTn id="57" dur="1" fill="hold">
+                                          <p:stCondLst>
+                                            <p:cond delay="0"/>
+                                          </p:stCondLst>
+                                        </p:cTn>
+                                        <p:tgtEl>
+                                          <p:spTgt spid="36"/>
+                                        </p:tgtEl>
+                                        <p:attrNameLst>
+                                          <p:attrName>style.visibility</p:attrName>
+                                        </p:attrNameLst>
+                                      </p:cBhvr>
+                                      <p:to>
+                                        <p:strVal val="visible"/>
+                                      </p:to>
+                                    </p:set>
+                                    <p:animEffect transition="in" filter="fade">
+                                      <p:cBhvr>
+                                        <p:cTn id="58" dur="500"/>
+                                        <p:tgtEl>
+                                          <p:spTgt spid="36"/>
+                                        </p:tgtEl>
+                                      </p:cBhvr>
+                                    </p:animEffect>
+                                  </p:childTnLst>
+                                </p:cTn>
+                              </p:par>
+                              <p:par>
+                                <p:cTn id="59" presetID="10" presetClass="entr" presetSubtype="0" fill="hold" nodeType="withEffect">
+                                  <p:stCondLst>
+                                    <p:cond delay="0"/>
+                                  </p:stCondLst>
+                                  <p:childTnLst>
+                                    <p:set>
+                                      <p:cBhvr>
+                                        <p:cTn id="60" dur="1" fill="hold">
+                                          <p:stCondLst>
+                                            <p:cond delay="0"/>
+                                          </p:stCondLst>
+                                        </p:cTn>
+                                        <p:tgtEl>
+                                          <p:spTgt spid="30"/>
+                                        </p:tgtEl>
+                                        <p:attrNameLst>
+                                          <p:attrName>style.visibility</p:attrName>
+                                        </p:attrNameLst>
+                                      </p:cBhvr>
+                                      <p:to>
+                                        <p:strVal val="visible"/>
+                                      </p:to>
+                                    </p:set>
+                                    <p:animEffect transition="in" filter="fade">
+                                      <p:cBhvr>
+                                        <p:cTn id="61" dur="500"/>
+                                        <p:tgtEl>
+                                          <p:spTgt spid="30"/>
+                                        </p:tgtEl>
+                                      </p:cBhvr>
+                                    </p:animEffect>
+                                  </p:childTnLst>
+                                </p:cTn>
+                              </p:par>
+                              <p:par>
+                                <p:cTn id="62" presetID="10" presetClass="entr" presetSubtype="0" fill="hold" grpId="0" nodeType="withEffect">
+                                  <p:stCondLst>
+                                    <p:cond delay="0"/>
+                                  </p:stCondLst>
+                                  <p:childTnLst>
+                                    <p:set>
+                                      <p:cBhvr>
+                                        <p:cTn id="63" dur="1" fill="hold">
+                                          <p:stCondLst>
+                                            <p:cond delay="0"/>
+                                          </p:stCondLst>
+                                        </p:cTn>
+                                        <p:tgtEl>
+                                          <p:spTgt spid="43"/>
+                                        </p:tgtEl>
+                                        <p:attrNameLst>
+                                          <p:attrName>style.visibility</p:attrName>
+                                        </p:attrNameLst>
+                                      </p:cBhvr>
+                                      <p:to>
+                                        <p:strVal val="visible"/>
+                                      </p:to>
+                                    </p:set>
+                                    <p:animEffect transition="in" filter="fade">
+                                      <p:cBhvr>
+                                        <p:cTn id="64" dur="500"/>
+                                        <p:tgtEl>
+                                          <p:spTgt spid="43"/>
+                                        </p:tgtEl>
+                                      </p:cBhvr>
+                                    </p:animEffect>
+                                  </p:childTnLst>
+                                </p:cTn>
+                              </p:par>
+                              <p:par>
+                                <p:cTn id="65" presetID="10" presetClass="entr" presetSubtype="0" fill="hold" grpId="0" nodeType="withEffect">
+                                  <p:stCondLst>
+                                    <p:cond delay="0"/>
+                                  </p:stCondLst>
+                                  <p:childTnLst>
+                                    <p:set>
+                                      <p:cBhvr>
+                                        <p:cTn id="66" dur="1" fill="hold">
+                                          <p:stCondLst>
+                                            <p:cond delay="0"/>
+                                          </p:stCondLst>
+                                        </p:cTn>
+                                        <p:tgtEl>
+                                          <p:spTgt spid="42"/>
+                                        </p:tgtEl>
+                                        <p:attrNameLst>
+                                          <p:attrName>style.visibility</p:attrName>
+                                        </p:attrNameLst>
+                                      </p:cBhvr>
+                                      <p:to>
+                                        <p:strVal val="visible"/>
+                                      </p:to>
+                                    </p:set>
+                                    <p:animEffect transition="in" filter="fade">
+                                      <p:cBhvr>
+                                        <p:cTn id="67" dur="500"/>
+                                        <p:tgtEl>
+                                          <p:spTgt spid="42"/>
+                                        </p:tgtEl>
+                                      </p:cBhvr>
+                                    </p:animEffect>
+                                  </p:childTnLst>
+                                </p:cTn>
+                              </p:par>
+                            </p:childTnLst>
+                          </p:cTn>
+                        </p:par>
+                      </p:childTnLst>
+                    </p:cTn>
+                  </p:par>
+                </p:childTnLst>
+              </p:cTn>
+              <p:prevCondLst>
+                <p:cond evt="onPrev" delay="0">
+                  <p:tgtEl>
+                    <p:sldTgt/>
+                  </p:tgtEl>
+                </p:cond>
+              </p:prevCondLst>
+              <p:nextCondLst>
+                <p:cond evt="onNext" delay="0">
+                  <p:tgtEl>
+                    <p:sldTgt/>
+                  </p:tgtEl>
+                </p:cond>
+              </p:nextCondLst>
+            </p:seq>
+          </p:childTnLst>
+        </p:cTn>
+      </p:par>
+    </p:tnLst>
+    <p:bldLst>
+      <p:bldP spid="39" grpId="0" animBg="1"/>
+      <p:bldP spid="40" grpId="0" animBg="1"/>
+      <p:bldP spid="41" grpId="0" animBg="1"/>
+      <p:bldP spid="42" grpId="0" animBg="1"/>
+      <p:bldP spid="43" grpId="0" animBg="1"/>
+    </p:bldLst>
+  </p:timing>
 </p:sld>
 </file>
 

--- a/kanoe.pptx
+++ b/kanoe.pptx
@@ -5,14 +5,15 @@
     <p:sldMasterId id="2147483670" r:id="rId1"/>
   </p:sldMasterIdLst>
   <p:notesMasterIdLst>
-    <p:notesMasterId r:id="rId7"/>
+    <p:notesMasterId r:id="rId8"/>
   </p:notesMasterIdLst>
   <p:sldIdLst>
     <p:sldId id="256" r:id="rId2"/>
     <p:sldId id="309" r:id="rId3"/>
-    <p:sldId id="310" r:id="rId4"/>
-    <p:sldId id="308" r:id="rId5"/>
-    <p:sldId id="303" r:id="rId6"/>
+    <p:sldId id="311" r:id="rId4"/>
+    <p:sldId id="310" r:id="rId5"/>
+    <p:sldId id="308" r:id="rId6"/>
+    <p:sldId id="303" r:id="rId7"/>
   </p:sldIdLst>
   <p:sldSz cx="9144000" cy="5143500" type="screen16x9"/>
   <p:notesSz cx="6858000" cy="9144000"/>
@@ -787,7 +788,7 @@
             </a:pPr>
             <a:r>
               <a:rPr lang="en-CA" dirty="0"/>
-              <a:t>Today I’m excited to introduce KANOE, a flight booking app that uses Generative AI Agents to demonstrate how we can simplify the integration challenges we face today</a:t>
+              <a:t>Today I’m excited to introduce a flight booking app, KANOE, not to be confused with another popular 5-letter flight booking app</a:t>
             </a:r>
           </a:p>
           <a:p>
@@ -800,14 +801,9 @@
               </a:spcAft>
             </a:pPr>
             <a:r>
-              <a:rPr lang="en-US" dirty="0"/>
-              <a:t>It’s important to not confuse this with another popular 5-letter flight booking app with a </a:t>
+              <a:rPr lang="en-CA" dirty="0"/>
+              <a:t>We’ll see how we can simplify the integration challenges we face today in a responsible generative AI way</a:t>
             </a:r>
-            <a:r>
-              <a:rPr lang="en-US"/>
-              <a:t>similar name ;)</a:t>
-            </a:r>
-            <a:endParaRPr dirty="0"/>
           </a:p>
         </p:txBody>
       </p:sp>
@@ -870,22 +866,19 @@
           <a:p>
             <a:r>
               <a:rPr lang="en-US" dirty="0"/>
-              <a:t>To deliver a feature, developers need to integrate with multiple systems today; leading to expensive development and collaboration efforts between teams </a:t>
-            </a:r>
-          </a:p>
-          <a:p>
-            <a:endParaRPr lang="en-US" dirty="0"/>
-          </a:p>
-          <a:p>
-            <a:r>
-              <a:rPr lang="en-US" dirty="0"/>
-              <a:t>Agents, such as those offered by Amazon Bedrock, allow us to orchestrate tasks between foundation models, data sources, software applications, and user conversations</a:t>
+              <a:t>Delivering a feature today requires developers to integrate with multiple systems; leading to expensive development and collaboration efforts between teams</a:t>
             </a:r>
           </a:p>
           <a:p>
             <a:r>
               <a:rPr lang="en-US" dirty="0"/>
-              <a:t>This means agents can make API calls without a developer writing any orchestration code</a:t>
+              <a:t>Agents, such as those offered by Amazon Bedrock, allow us to orchestrate tasks between foundation models and software applications</a:t>
+            </a:r>
+          </a:p>
+          <a:p>
+            <a:r>
+              <a:rPr lang="en-US" dirty="0"/>
+              <a:t>This means agents can make API calls without writing any orchestration code</a:t>
             </a:r>
           </a:p>
           <a:p>
@@ -959,14 +952,111 @@
           <a:lstStyle/>
           <a:p>
             <a:r>
+              <a:rPr lang="en-CA" dirty="0"/>
+              <a:t>Maintaining a relevant and safe user experience means we must manage the interactions carefully, from</a:t>
+            </a:r>
+          </a:p>
+          <a:p>
+            <a:pPr lvl="1"/>
+            <a:r>
+              <a:rPr lang="en-CA" dirty="0"/>
+              <a:t>Restricting undesirable topics like legal advice,</a:t>
+            </a:r>
+          </a:p>
+          <a:p>
+            <a:pPr lvl="1"/>
+            <a:r>
+              <a:rPr lang="en-CA" dirty="0"/>
+              <a:t>Filtering harmful content, such as hate language,</a:t>
+            </a:r>
+          </a:p>
+          <a:p>
+            <a:pPr lvl="1"/>
+            <a:r>
+              <a:rPr lang="en-CA" dirty="0"/>
+              <a:t>To redacting sensitive personally identifiable information</a:t>
+            </a:r>
+          </a:p>
+          <a:p>
+            <a:pPr lvl="0"/>
+            <a:r>
+              <a:rPr lang="en-CA" dirty="0"/>
+              <a:t>Guardrails for Amazon Bedrock allows for the configuration of custom rules to detect and block such interactions</a:t>
+            </a:r>
+          </a:p>
+        </p:txBody>
+      </p:sp>
+    </p:spTree>
+    <p:extLst>
+      <p:ext uri="{BB962C8B-B14F-4D97-AF65-F5344CB8AC3E}">
+        <p14:creationId xmlns:p14="http://schemas.microsoft.com/office/powerpoint/2010/main" val="526061292"/>
+      </p:ext>
+    </p:extLst>
+  </p:cSld>
+  <p:clrMapOvr>
+    <a:masterClrMapping/>
+  </p:clrMapOvr>
+</p:notes>
+</file>
+
+<file path=ppt/notesSlides/notesSlide4.xml><?xml version="1.0" encoding="utf-8"?>
+<p:notes xmlns:a="http://schemas.openxmlformats.org/drawingml/2006/main" xmlns:r="http://schemas.openxmlformats.org/officeDocument/2006/relationships" xmlns:p="http://schemas.openxmlformats.org/presentationml/2006/main">
+  <p:cSld>
+    <p:spTree>
+      <p:nvGrpSpPr>
+        <p:cNvPr id="1" name=""/>
+        <p:cNvGrpSpPr/>
+        <p:nvPr/>
+      </p:nvGrpSpPr>
+      <p:grpSpPr>
+        <a:xfrm>
+          <a:off x="0" y="0"/>
+          <a:ext cx="0" cy="0"/>
+          <a:chOff x="0" y="0"/>
+          <a:chExt cx="0" cy="0"/>
+        </a:xfrm>
+      </p:grpSpPr>
+      <p:sp>
+        <p:nvSpPr>
+          <p:cNvPr id="2" name="Slide Image Placeholder 1"/>
+          <p:cNvSpPr>
+            <a:spLocks noGrp="1" noRot="1" noChangeAspect="1"/>
+          </p:cNvSpPr>
+          <p:nvPr>
+            <p:ph type="sldImg"/>
+          </p:nvPr>
+        </p:nvSpPr>
+        <p:spPr>
+          <a:xfrm>
+            <a:off x="381000" y="685800"/>
+            <a:ext cx="6096000" cy="3429000"/>
+          </a:xfrm>
+        </p:spPr>
+      </p:sp>
+      <p:sp>
+        <p:nvSpPr>
+          <p:cNvPr id="3" name="Notes Placeholder 2"/>
+          <p:cNvSpPr>
+            <a:spLocks noGrp="1"/>
+          </p:cNvSpPr>
+          <p:nvPr>
+            <p:ph type="body" idx="1"/>
+          </p:nvPr>
+        </p:nvSpPr>
+        <p:spPr/>
+        <p:txBody>
+          <a:bodyPr/>
+          <a:lstStyle/>
+          <a:p>
+            <a:r>
               <a:rPr lang="en-US" dirty="0"/>
-              <a:t>KANOE is a fictitious application meant to demonstrate how we can apply Agents and Generative AI to orchestrate and execute calls between our systems</a:t>
+              <a:t>KANOE is a fictitious application meant to demonstrate how we can apply Agents and Guardrails to orchestrate and execute calls safely between our systems</a:t>
             </a:r>
           </a:p>
           <a:p>
             <a:r>
               <a:rPr lang="en-US" dirty="0"/>
-              <a:t>The Agent handles all the orchestration between each system, ensuring</a:t>
+              <a:t>The Agent handles all the orchestration between each system with Guardrails in place, ensuring</a:t>
             </a:r>
           </a:p>
           <a:p>
@@ -1008,7 +1098,7 @@
 </p:notes>
 </file>
 
-<file path=ppt/notesSlides/notesSlide4.xml><?xml version="1.0" encoding="utf-8"?>
+<file path=ppt/notesSlides/notesSlide5.xml><?xml version="1.0" encoding="utf-8"?>
 <p:notes xmlns:a="http://schemas.openxmlformats.org/drawingml/2006/main" xmlns:r="http://schemas.openxmlformats.org/officeDocument/2006/relationships" xmlns:p="http://schemas.openxmlformats.org/presentationml/2006/main">
   <p:cSld>
     <p:spTree>
@@ -1092,7 +1182,7 @@
             </a:r>
             <a:r>
               <a:rPr lang="en-US" dirty="0"/>
-              <a:t>) reasoning</a:t>
+              <a:t>) reasoning along with the configured Guardrails</a:t>
             </a:r>
           </a:p>
           <a:p>
@@ -1131,7 +1221,7 @@
 </p:notes>
 </file>
 
-<file path=ppt/notesSlides/notesSlide5.xml><?xml version="1.0" encoding="utf-8"?>
+<file path=ppt/notesSlides/notesSlide6.xml><?xml version="1.0" encoding="utf-8"?>
 <p:notes xmlns:a="http://schemas.openxmlformats.org/drawingml/2006/main" xmlns:r="http://schemas.openxmlformats.org/officeDocument/2006/relationships" xmlns:p="http://schemas.openxmlformats.org/presentationml/2006/main">
   <p:cSld>
     <p:spTree>
@@ -4186,8 +4276,8 @@
         </p:nvSpPr>
         <p:spPr>
           <a:xfrm>
-            <a:off x="1280097" y="2914643"/>
-            <a:ext cx="6583800" cy="674413"/>
+            <a:off x="1280097" y="2571750"/>
+            <a:ext cx="6583800" cy="1360199"/>
           </a:xfrm>
           <a:prstGeom prst="rect">
             <a:avLst/>
@@ -4209,15 +4299,25 @@
               <a:buNone/>
             </a:pPr>
             <a:r>
-              <a:rPr lang="en" sz="1800" dirty="0"/>
+              <a:rPr lang="en" sz="1800" b="0" dirty="0"/>
               <a:t>Search for Cheap Flights &amp; Airline Tickets</a:t>
             </a:r>
+            <a:br>
+              <a:rPr lang="en" sz="1800" b="0" dirty="0"/>
+            </a:br>
             <a:br>
               <a:rPr lang="en" sz="1800" dirty="0"/>
             </a:br>
             <a:r>
-              <a:rPr lang="en" sz="1800" dirty="0"/>
-              <a:t>with Generative AI Agents</a:t>
+              <a:rPr lang="en" sz="2000" dirty="0"/>
+              <a:t>Responsible Generative AI </a:t>
+            </a:r>
+            <a:br>
+              <a:rPr lang="en" sz="2000" dirty="0"/>
+            </a:br>
+            <a:r>
+              <a:rPr lang="en" sz="2000" dirty="0"/>
+              <a:t>with Agents and Guardrails</a:t>
             </a:r>
             <a:endParaRPr sz="1800" dirty="0"/>
           </a:p>
@@ -4235,7 +4335,7 @@
         </p:nvSpPr>
         <p:spPr>
           <a:xfrm>
-            <a:off x="2307599" y="3931949"/>
+            <a:off x="2307597" y="4101050"/>
             <a:ext cx="4528800" cy="475800"/>
           </a:xfrm>
           <a:prstGeom prst="rect">
@@ -4357,8 +4457,38 @@
         </p:blipFill>
         <p:spPr>
           <a:xfrm>
-            <a:off x="1858953" y="731375"/>
-            <a:ext cx="5679721" cy="3614368"/>
+            <a:off x="4008329" y="1127199"/>
+            <a:ext cx="4697260" cy="2989166"/>
+          </a:xfrm>
+          <a:prstGeom prst="rect">
+            <a:avLst/>
+          </a:prstGeom>
+        </p:spPr>
+      </p:pic>
+      <p:pic>
+        <p:nvPicPr>
+          <p:cNvPr id="29" name="Picture 28">
+            <a:extLst>
+              <a:ext uri="{FF2B5EF4-FFF2-40B4-BE49-F238E27FC236}">
+                <a16:creationId xmlns:a16="http://schemas.microsoft.com/office/drawing/2014/main" id="{99938B81-24CF-D943-792F-9002178941B6}"/>
+              </a:ext>
+            </a:extLst>
+          </p:cNvPr>
+          <p:cNvPicPr>
+            <a:picLocks noChangeAspect="1"/>
+          </p:cNvPicPr>
+          <p:nvPr/>
+        </p:nvPicPr>
+        <p:blipFill>
+          <a:blip r:embed="rId4"/>
+          <a:stretch>
+            <a:fillRect/>
+          </a:stretch>
+        </p:blipFill>
+        <p:spPr>
+          <a:xfrm>
+            <a:off x="957715" y="1690169"/>
+            <a:ext cx="2982600" cy="1103950"/>
           </a:xfrm>
           <a:prstGeom prst="rect">
             <a:avLst/>
@@ -4393,17 +4523,17 @@
           <a:p>
             <a:r>
               <a:rPr lang="en-US" dirty="0"/>
-              <a:t>Generative AI Agents</a:t>
+              <a:t>Agentic AI</a:t>
             </a:r>
           </a:p>
         </p:txBody>
       </p:sp>
       <p:sp>
         <p:nvSpPr>
-          <p:cNvPr id="6" name="TextBox 5">
+          <p:cNvPr id="9" name="TextBox 8">
             <a:extLst>
               <a:ext uri="{FF2B5EF4-FFF2-40B4-BE49-F238E27FC236}">
-                <a16:creationId xmlns:a16="http://schemas.microsoft.com/office/drawing/2014/main" id="{D3F7A9D3-BAF0-84A8-70BA-80CEC4AE5D3C}"/>
+                <a16:creationId xmlns:a16="http://schemas.microsoft.com/office/drawing/2014/main" id="{3A3BC253-BDBA-C6F5-E86E-78CEB6F63A78}"/>
               </a:ext>
             </a:extLst>
           </p:cNvPr>
@@ -4412,8 +4542,8 @@
         </p:nvSpPr>
         <p:spPr>
           <a:xfrm>
-            <a:off x="2981870" y="4020842"/>
-            <a:ext cx="3180259" cy="523220"/>
+            <a:off x="867567" y="2901356"/>
+            <a:ext cx="3072748" cy="830997"/>
           </a:xfrm>
           <a:prstGeom prst="rect">
             <a:avLst/>
@@ -4426,18 +4556,9 @@
           </a:bodyPr>
           <a:lstStyle/>
           <a:p>
-            <a:pPr algn="ctr"/>
             <a:r>
-              <a:rPr lang="en-US" dirty="0"/>
-              <a:t>Orchestrate and execute tasks using Chain of Thought (</a:t>
-            </a:r>
-            <a:r>
-              <a:rPr lang="en-US" dirty="0" err="1"/>
-              <a:t>CoT</a:t>
-            </a:r>
-            <a:r>
-              <a:rPr lang="en-US" dirty="0"/>
-              <a:t>) reasoning</a:t>
+              <a:rPr lang="en-CA" sz="1600" dirty="0"/>
+              <a:t>Execute multistep tasks across company systems and data sources</a:t>
             </a:r>
           </a:p>
         </p:txBody>
@@ -4456,6 +4577,567 @@
 </file>
 
 <file path=ppt/slides/slide3.xml><?xml version="1.0" encoding="utf-8"?>
+<p:sld xmlns:a="http://schemas.openxmlformats.org/drawingml/2006/main" xmlns:r="http://schemas.openxmlformats.org/officeDocument/2006/relationships" xmlns:p="http://schemas.openxmlformats.org/presentationml/2006/main">
+  <p:cSld>
+    <p:spTree>
+      <p:nvGrpSpPr>
+        <p:cNvPr id="1" name=""/>
+        <p:cNvGrpSpPr/>
+        <p:nvPr/>
+      </p:nvGrpSpPr>
+      <p:grpSpPr>
+        <a:xfrm>
+          <a:off x="0" y="0"/>
+          <a:ext cx="0" cy="0"/>
+          <a:chOff x="0" y="0"/>
+          <a:chExt cx="0" cy="0"/>
+        </a:xfrm>
+      </p:grpSpPr>
+      <p:sp>
+        <p:nvSpPr>
+          <p:cNvPr id="19" name="Arc 18">
+            <a:extLst>
+              <a:ext uri="{FF2B5EF4-FFF2-40B4-BE49-F238E27FC236}">
+                <a16:creationId xmlns:a16="http://schemas.microsoft.com/office/drawing/2014/main" id="{CA9DBEAA-1291-9BA0-3951-875781C07960}"/>
+              </a:ext>
+            </a:extLst>
+          </p:cNvPr>
+          <p:cNvSpPr/>
+          <p:nvPr/>
+        </p:nvSpPr>
+        <p:spPr>
+          <a:xfrm rot="421118">
+            <a:off x="1169994" y="197554"/>
+            <a:ext cx="3856245" cy="4776779"/>
+          </a:xfrm>
+          <a:prstGeom prst="arc">
+            <a:avLst>
+              <a:gd name="adj1" fmla="val 16231754"/>
+              <a:gd name="adj2" fmla="val 4529171"/>
+            </a:avLst>
+          </a:prstGeom>
+          <a:ln w="28575">
+            <a:solidFill>
+              <a:schemeClr val="accent2"/>
+            </a:solidFill>
+          </a:ln>
+        </p:spPr>
+        <p:style>
+          <a:lnRef idx="1">
+            <a:schemeClr val="accent1"/>
+          </a:lnRef>
+          <a:fillRef idx="0">
+            <a:schemeClr val="accent1"/>
+          </a:fillRef>
+          <a:effectRef idx="0">
+            <a:schemeClr val="accent1"/>
+          </a:effectRef>
+          <a:fontRef idx="minor">
+            <a:schemeClr val="tx1"/>
+          </a:fontRef>
+        </p:style>
+        <p:txBody>
+          <a:bodyPr rtlCol="0" anchor="ctr"/>
+          <a:lstStyle/>
+          <a:p>
+            <a:pPr algn="ctr"/>
+            <a:endParaRPr lang="en-CA"/>
+          </a:p>
+        </p:txBody>
+      </p:sp>
+      <p:sp>
+        <p:nvSpPr>
+          <p:cNvPr id="24" name="Oval 23">
+            <a:extLst>
+              <a:ext uri="{FF2B5EF4-FFF2-40B4-BE49-F238E27FC236}">
+                <a16:creationId xmlns:a16="http://schemas.microsoft.com/office/drawing/2014/main" id="{7926D5E7-57E7-B9B1-ADC7-983B0465F015}"/>
+              </a:ext>
+            </a:extLst>
+          </p:cNvPr>
+          <p:cNvSpPr/>
+          <p:nvPr/>
+        </p:nvSpPr>
+        <p:spPr>
+          <a:xfrm>
+            <a:off x="4605749" y="2139638"/>
+            <a:ext cx="864223" cy="864223"/>
+          </a:xfrm>
+          <a:prstGeom prst="ellipse">
+            <a:avLst/>
+          </a:prstGeom>
+          <a:solidFill>
+            <a:schemeClr val="accent6">
+              <a:lumMod val="65000"/>
+            </a:schemeClr>
+          </a:solidFill>
+        </p:spPr>
+        <p:style>
+          <a:lnRef idx="2">
+            <a:schemeClr val="accent1">
+              <a:shade val="15000"/>
+            </a:schemeClr>
+          </a:lnRef>
+          <a:fillRef idx="1">
+            <a:schemeClr val="accent1"/>
+          </a:fillRef>
+          <a:effectRef idx="0">
+            <a:schemeClr val="accent1"/>
+          </a:effectRef>
+          <a:fontRef idx="minor">
+            <a:schemeClr val="lt1"/>
+          </a:fontRef>
+        </p:style>
+        <p:txBody>
+          <a:bodyPr rtlCol="0" anchor="ctr"/>
+          <a:lstStyle/>
+          <a:p>
+            <a:pPr algn="ctr"/>
+            <a:endParaRPr lang="en-CA"/>
+          </a:p>
+        </p:txBody>
+      </p:sp>
+      <p:sp>
+        <p:nvSpPr>
+          <p:cNvPr id="25" name="Oval 24">
+            <a:extLst>
+              <a:ext uri="{FF2B5EF4-FFF2-40B4-BE49-F238E27FC236}">
+                <a16:creationId xmlns:a16="http://schemas.microsoft.com/office/drawing/2014/main" id="{267DC810-8F2C-0BAA-30D2-993930B2CC5E}"/>
+              </a:ext>
+            </a:extLst>
+          </p:cNvPr>
+          <p:cNvSpPr/>
+          <p:nvPr/>
+        </p:nvSpPr>
+        <p:spPr>
+          <a:xfrm>
+            <a:off x="4202379" y="3607491"/>
+            <a:ext cx="864223" cy="864223"/>
+          </a:xfrm>
+          <a:prstGeom prst="ellipse">
+            <a:avLst/>
+          </a:prstGeom>
+          <a:solidFill>
+            <a:schemeClr val="accent6">
+              <a:lumMod val="65000"/>
+            </a:schemeClr>
+          </a:solidFill>
+        </p:spPr>
+        <p:style>
+          <a:lnRef idx="2">
+            <a:schemeClr val="accent1">
+              <a:shade val="15000"/>
+            </a:schemeClr>
+          </a:lnRef>
+          <a:fillRef idx="1">
+            <a:schemeClr val="accent1"/>
+          </a:fillRef>
+          <a:effectRef idx="0">
+            <a:schemeClr val="accent1"/>
+          </a:effectRef>
+          <a:fontRef idx="minor">
+            <a:schemeClr val="lt1"/>
+          </a:fontRef>
+        </p:style>
+        <p:txBody>
+          <a:bodyPr rtlCol="0" anchor="ctr"/>
+          <a:lstStyle/>
+          <a:p>
+            <a:pPr algn="ctr"/>
+            <a:endParaRPr lang="en-CA"/>
+          </a:p>
+        </p:txBody>
+      </p:sp>
+      <p:sp>
+        <p:nvSpPr>
+          <p:cNvPr id="22" name="Oval 21">
+            <a:extLst>
+              <a:ext uri="{FF2B5EF4-FFF2-40B4-BE49-F238E27FC236}">
+                <a16:creationId xmlns:a16="http://schemas.microsoft.com/office/drawing/2014/main" id="{D91F32F3-9BB7-158E-BD81-E8370D007942}"/>
+              </a:ext>
+            </a:extLst>
+          </p:cNvPr>
+          <p:cNvSpPr/>
+          <p:nvPr/>
+        </p:nvSpPr>
+        <p:spPr>
+          <a:xfrm>
+            <a:off x="4202379" y="692316"/>
+            <a:ext cx="864223" cy="864223"/>
+          </a:xfrm>
+          <a:prstGeom prst="ellipse">
+            <a:avLst/>
+          </a:prstGeom>
+          <a:solidFill>
+            <a:schemeClr val="accent6">
+              <a:lumMod val="65000"/>
+            </a:schemeClr>
+          </a:solidFill>
+        </p:spPr>
+        <p:style>
+          <a:lnRef idx="2">
+            <a:schemeClr val="accent1">
+              <a:shade val="15000"/>
+            </a:schemeClr>
+          </a:lnRef>
+          <a:fillRef idx="1">
+            <a:schemeClr val="accent1"/>
+          </a:fillRef>
+          <a:effectRef idx="0">
+            <a:schemeClr val="accent1"/>
+          </a:effectRef>
+          <a:fontRef idx="minor">
+            <a:schemeClr val="lt1"/>
+          </a:fontRef>
+        </p:style>
+        <p:txBody>
+          <a:bodyPr rtlCol="0" anchor="ctr"/>
+          <a:lstStyle/>
+          <a:p>
+            <a:pPr algn="ctr"/>
+            <a:endParaRPr lang="en-CA"/>
+          </a:p>
+        </p:txBody>
+      </p:sp>
+      <p:sp>
+        <p:nvSpPr>
+          <p:cNvPr id="2" name="Title 1">
+            <a:extLst>
+              <a:ext uri="{FF2B5EF4-FFF2-40B4-BE49-F238E27FC236}">
+                <a16:creationId xmlns:a16="http://schemas.microsoft.com/office/drawing/2014/main" id="{BD41DC15-4615-83B5-8B23-A6B909E69868}"/>
+              </a:ext>
+            </a:extLst>
+          </p:cNvPr>
+          <p:cNvSpPr>
+            <a:spLocks noGrp="1"/>
+          </p:cNvSpPr>
+          <p:nvPr>
+            <p:ph type="title"/>
+          </p:nvPr>
+        </p:nvSpPr>
+        <p:spPr/>
+        <p:txBody>
+          <a:bodyPr/>
+          <a:lstStyle/>
+          <a:p>
+            <a:r>
+              <a:rPr lang="en-CA" dirty="0"/>
+              <a:t>Guardrails</a:t>
+            </a:r>
+          </a:p>
+        </p:txBody>
+      </p:sp>
+      <p:sp>
+        <p:nvSpPr>
+          <p:cNvPr id="3" name="TextBox 2">
+            <a:extLst>
+              <a:ext uri="{FF2B5EF4-FFF2-40B4-BE49-F238E27FC236}">
+                <a16:creationId xmlns:a16="http://schemas.microsoft.com/office/drawing/2014/main" id="{3DAC04E6-9567-3235-96C6-891B7A22A518}"/>
+              </a:ext>
+            </a:extLst>
+          </p:cNvPr>
+          <p:cNvSpPr txBox="1"/>
+          <p:nvPr/>
+        </p:nvSpPr>
+        <p:spPr>
+          <a:xfrm>
+            <a:off x="867567" y="2901356"/>
+            <a:ext cx="3072748" cy="830997"/>
+          </a:xfrm>
+          <a:prstGeom prst="rect">
+            <a:avLst/>
+          </a:prstGeom>
+          <a:noFill/>
+        </p:spPr>
+        <p:txBody>
+          <a:bodyPr wrap="square" rtlCol="0">
+            <a:spAutoFit/>
+          </a:bodyPr>
+          <a:lstStyle/>
+          <a:p>
+            <a:r>
+              <a:rPr lang="en-CA" sz="1600" dirty="0"/>
+              <a:t>Safeguards customized for application requirements and responsible AI policies</a:t>
+            </a:r>
+          </a:p>
+        </p:txBody>
+      </p:sp>
+      <p:pic>
+        <p:nvPicPr>
+          <p:cNvPr id="9" name="Picture 8">
+            <a:extLst>
+              <a:ext uri="{FF2B5EF4-FFF2-40B4-BE49-F238E27FC236}">
+                <a16:creationId xmlns:a16="http://schemas.microsoft.com/office/drawing/2014/main" id="{5C364DF6-1B7A-29AC-B65A-9E19EABD8DD7}"/>
+              </a:ext>
+            </a:extLst>
+          </p:cNvPr>
+          <p:cNvPicPr>
+            <a:picLocks noChangeAspect="1"/>
+          </p:cNvPicPr>
+          <p:nvPr/>
+        </p:nvPicPr>
+        <p:blipFill>
+          <a:blip r:embed="rId3"/>
+          <a:stretch>
+            <a:fillRect/>
+          </a:stretch>
+        </p:blipFill>
+        <p:spPr>
+          <a:xfrm>
+            <a:off x="965002" y="1699707"/>
+            <a:ext cx="2981638" cy="1093268"/>
+          </a:xfrm>
+          <a:prstGeom prst="rect">
+            <a:avLst/>
+          </a:prstGeom>
+        </p:spPr>
+      </p:pic>
+      <p:pic>
+        <p:nvPicPr>
+          <p:cNvPr id="13" name="Graphic 12" descr="Puzzle pieces">
+            <a:extLst>
+              <a:ext uri="{FF2B5EF4-FFF2-40B4-BE49-F238E27FC236}">
+                <a16:creationId xmlns:a16="http://schemas.microsoft.com/office/drawing/2014/main" id="{219BABE2-4858-BE97-0FB7-7995D4626058}"/>
+              </a:ext>
+            </a:extLst>
+          </p:cNvPr>
+          <p:cNvPicPr>
+            <a:picLocks noChangeAspect="1"/>
+          </p:cNvPicPr>
+          <p:nvPr/>
+        </p:nvPicPr>
+        <p:blipFill>
+          <a:blip r:embed="rId4">
+            <a:extLst>
+              <a:ext uri="{96DAC541-7B7A-43D3-8B79-37D633B846F1}">
+                <asvg:svgBlip xmlns:asvg="http://schemas.microsoft.com/office/drawing/2016/SVG/main" r:embed="rId5"/>
+              </a:ext>
+            </a:extLst>
+          </a:blip>
+          <a:stretch>
+            <a:fillRect/>
+          </a:stretch>
+        </p:blipFill>
+        <p:spPr>
+          <a:xfrm>
+            <a:off x="4717661" y="2246341"/>
+            <a:ext cx="640402" cy="640402"/>
+          </a:xfrm>
+          <a:prstGeom prst="rect">
+            <a:avLst/>
+          </a:prstGeom>
+        </p:spPr>
+      </p:pic>
+      <p:pic>
+        <p:nvPicPr>
+          <p:cNvPr id="15" name="Graphic 14" descr="Lock">
+            <a:extLst>
+              <a:ext uri="{FF2B5EF4-FFF2-40B4-BE49-F238E27FC236}">
+                <a16:creationId xmlns:a16="http://schemas.microsoft.com/office/drawing/2014/main" id="{BC438678-2430-5EE0-94CA-99F61DBC7519}"/>
+              </a:ext>
+            </a:extLst>
+          </p:cNvPr>
+          <p:cNvPicPr>
+            <a:picLocks noChangeAspect="1"/>
+          </p:cNvPicPr>
+          <p:nvPr/>
+        </p:nvPicPr>
+        <p:blipFill>
+          <a:blip r:embed="rId6">
+            <a:extLst>
+              <a:ext uri="{96DAC541-7B7A-43D3-8B79-37D633B846F1}">
+                <asvg:svgBlip xmlns:asvg="http://schemas.microsoft.com/office/drawing/2016/SVG/main" r:embed="rId7"/>
+              </a:ext>
+            </a:extLst>
+          </a:blip>
+          <a:stretch>
+            <a:fillRect/>
+          </a:stretch>
+        </p:blipFill>
+        <p:spPr>
+          <a:xfrm>
+            <a:off x="4314289" y="3723952"/>
+            <a:ext cx="640402" cy="640402"/>
+          </a:xfrm>
+          <a:prstGeom prst="rect">
+            <a:avLst/>
+          </a:prstGeom>
+        </p:spPr>
+      </p:pic>
+      <p:pic>
+        <p:nvPicPr>
+          <p:cNvPr id="21" name="Graphic 20" descr="Checklist RTL">
+            <a:extLst>
+              <a:ext uri="{FF2B5EF4-FFF2-40B4-BE49-F238E27FC236}">
+                <a16:creationId xmlns:a16="http://schemas.microsoft.com/office/drawing/2014/main" id="{06C178DC-C6B3-7FCF-DC4E-E09F25FC43FF}"/>
+              </a:ext>
+            </a:extLst>
+          </p:cNvPr>
+          <p:cNvPicPr>
+            <a:picLocks noChangeAspect="1"/>
+          </p:cNvPicPr>
+          <p:nvPr/>
+        </p:nvPicPr>
+        <p:blipFill>
+          <a:blip r:embed="rId8">
+            <a:extLst>
+              <a:ext uri="{96DAC541-7B7A-43D3-8B79-37D633B846F1}">
+                <asvg:svgBlip xmlns:asvg="http://schemas.microsoft.com/office/drawing/2016/SVG/main" r:embed="rId9"/>
+              </a:ext>
+            </a:extLst>
+          </a:blip>
+          <a:stretch>
+            <a:fillRect/>
+          </a:stretch>
+        </p:blipFill>
+        <p:spPr>
+          <a:xfrm>
+            <a:off x="4314289" y="807241"/>
+            <a:ext cx="640402" cy="640402"/>
+          </a:xfrm>
+          <a:prstGeom prst="rect">
+            <a:avLst/>
+          </a:prstGeom>
+        </p:spPr>
+      </p:pic>
+      <p:sp>
+        <p:nvSpPr>
+          <p:cNvPr id="26" name="TextBox 25">
+            <a:extLst>
+              <a:ext uri="{FF2B5EF4-FFF2-40B4-BE49-F238E27FC236}">
+                <a16:creationId xmlns:a16="http://schemas.microsoft.com/office/drawing/2014/main" id="{62C3409A-5D30-F7C7-4BA9-87BFDB793706}"/>
+              </a:ext>
+            </a:extLst>
+          </p:cNvPr>
+          <p:cNvSpPr txBox="1"/>
+          <p:nvPr/>
+        </p:nvSpPr>
+        <p:spPr>
+          <a:xfrm>
+            <a:off x="5128408" y="787046"/>
+            <a:ext cx="3485004" cy="584775"/>
+          </a:xfrm>
+          <a:prstGeom prst="rect">
+            <a:avLst/>
+          </a:prstGeom>
+          <a:noFill/>
+        </p:spPr>
+        <p:txBody>
+          <a:bodyPr wrap="square" rtlCol="0">
+            <a:spAutoFit/>
+          </a:bodyPr>
+          <a:lstStyle/>
+          <a:p>
+            <a:r>
+              <a:rPr lang="en-CA" sz="1600" dirty="0"/>
+              <a:t>Define and disallow restricted topics</a:t>
+            </a:r>
+          </a:p>
+          <a:p>
+            <a:r>
+              <a:rPr lang="en-CA" sz="1600" dirty="0"/>
+              <a:t>(i.e. legal advice)</a:t>
+            </a:r>
+          </a:p>
+        </p:txBody>
+      </p:sp>
+      <p:sp>
+        <p:nvSpPr>
+          <p:cNvPr id="27" name="TextBox 26">
+            <a:extLst>
+              <a:ext uri="{FF2B5EF4-FFF2-40B4-BE49-F238E27FC236}">
+                <a16:creationId xmlns:a16="http://schemas.microsoft.com/office/drawing/2014/main" id="{A0BF974D-0A26-5E21-B676-FC0F8BD9336F}"/>
+              </a:ext>
+            </a:extLst>
+          </p:cNvPr>
+          <p:cNvSpPr txBox="1"/>
+          <p:nvPr/>
+        </p:nvSpPr>
+        <p:spPr>
+          <a:xfrm>
+            <a:off x="5502380" y="2274154"/>
+            <a:ext cx="3000229" cy="584775"/>
+          </a:xfrm>
+          <a:prstGeom prst="rect">
+            <a:avLst/>
+          </a:prstGeom>
+          <a:noFill/>
+        </p:spPr>
+        <p:txBody>
+          <a:bodyPr wrap="square" rtlCol="0">
+            <a:spAutoFit/>
+          </a:bodyPr>
+          <a:lstStyle/>
+          <a:p>
+            <a:r>
+              <a:rPr lang="en-CA" sz="1600" dirty="0"/>
+              <a:t>Filter harmful content</a:t>
+            </a:r>
+            <a:br>
+              <a:rPr lang="en-CA" sz="1600" dirty="0"/>
+            </a:br>
+            <a:r>
+              <a:rPr lang="en-CA" sz="1600" dirty="0"/>
+              <a:t>(i.e. hate language)</a:t>
+            </a:r>
+          </a:p>
+        </p:txBody>
+      </p:sp>
+      <p:sp>
+        <p:nvSpPr>
+          <p:cNvPr id="28" name="TextBox 27">
+            <a:extLst>
+              <a:ext uri="{FF2B5EF4-FFF2-40B4-BE49-F238E27FC236}">
+                <a16:creationId xmlns:a16="http://schemas.microsoft.com/office/drawing/2014/main" id="{016C9A5D-BFBB-3EF1-E8DD-CAB99EFFF75C}"/>
+              </a:ext>
+            </a:extLst>
+          </p:cNvPr>
+          <p:cNvSpPr txBox="1"/>
+          <p:nvPr/>
+        </p:nvSpPr>
+        <p:spPr>
+          <a:xfrm>
+            <a:off x="5122960" y="3761262"/>
+            <a:ext cx="3671126" cy="584775"/>
+          </a:xfrm>
+          <a:prstGeom prst="rect">
+            <a:avLst/>
+          </a:prstGeom>
+          <a:noFill/>
+        </p:spPr>
+        <p:txBody>
+          <a:bodyPr wrap="square" rtlCol="0">
+            <a:spAutoFit/>
+          </a:bodyPr>
+          <a:lstStyle/>
+          <a:p>
+            <a:r>
+              <a:rPr lang="en-CA" sz="1600" dirty="0"/>
+              <a:t>Redact of block sensitive information</a:t>
+            </a:r>
+            <a:br>
+              <a:rPr lang="en-CA" sz="1600" dirty="0"/>
+            </a:br>
+            <a:r>
+              <a:rPr lang="en-CA" sz="1600" dirty="0"/>
+              <a:t>(i.e. personally identifiable information)</a:t>
+            </a:r>
+          </a:p>
+        </p:txBody>
+      </p:sp>
+    </p:spTree>
+    <p:extLst>
+      <p:ext uri="{BB962C8B-B14F-4D97-AF65-F5344CB8AC3E}">
+        <p14:creationId xmlns:p14="http://schemas.microsoft.com/office/powerpoint/2010/main" val="1081900265"/>
+      </p:ext>
+    </p:extLst>
+  </p:cSld>
+  <p:clrMapOvr>
+    <a:masterClrMapping/>
+  </p:clrMapOvr>
+</p:sld>
+</file>
+
+<file path=ppt/slides/slide4.xml><?xml version="1.0" encoding="utf-8"?>
 <p:sld xmlns:a="http://schemas.openxmlformats.org/drawingml/2006/main" xmlns:r="http://schemas.openxmlformats.org/officeDocument/2006/relationships" xmlns:p="http://schemas.openxmlformats.org/presentationml/2006/main">
   <p:cSld>
     <p:spTree>
@@ -6336,7 +7018,7 @@
 </p:sld>
 </file>
 
-<file path=ppt/slides/slide4.xml><?xml version="1.0" encoding="utf-8"?>
+<file path=ppt/slides/slide5.xml><?xml version="1.0" encoding="utf-8"?>
 <p:sld xmlns:a="http://schemas.openxmlformats.org/drawingml/2006/main" xmlns:r="http://schemas.openxmlformats.org/officeDocument/2006/relationships" xmlns:p="http://schemas.openxmlformats.org/presentationml/2006/main">
   <p:cSld>
     <p:spTree>
@@ -6669,7 +7351,7 @@
 </p:sld>
 </file>
 
-<file path=ppt/slides/slide5.xml><?xml version="1.0" encoding="utf-8"?>
+<file path=ppt/slides/slide6.xml><?xml version="1.0" encoding="utf-8"?>
 <p:sld xmlns:a="http://schemas.openxmlformats.org/drawingml/2006/main" xmlns:r="http://schemas.openxmlformats.org/officeDocument/2006/relationships" xmlns:p="http://schemas.openxmlformats.org/presentationml/2006/main">
   <p:cSld>
     <p:spTree>

--- a/kanoe.pptx
+++ b/kanoe.pptx
@@ -1050,7 +1050,7 @@
           <a:p>
             <a:r>
               <a:rPr lang="en-US" dirty="0"/>
-              <a:t>KANOE is a fictitious application meant to demonstrate how we can apply Agents and Guardrails to orchestrate and execute calls safely between our systems</a:t>
+              <a:t>KANOE demonstrates how we can apply Agents and Guardrails to orchestrate and execute calls safely between our systems</a:t>
             </a:r>
           </a:p>
           <a:p>
@@ -1149,7 +1149,7 @@
           <a:p>
             <a:r>
               <a:rPr lang="en-US" dirty="0"/>
-              <a:t>A user interacts with KANOE through a conversational frontend with a </a:t>
+              <a:t>&gt; Behind the scenes a user interacts through a conversational frontend with a </a:t>
             </a:r>
             <a:r>
               <a:rPr lang="en-US" dirty="0" err="1"/>
@@ -1160,21 +1160,13 @@
           <a:p>
             <a:r>
               <a:rPr lang="en-US" dirty="0"/>
-              <a:t>Bedrock Agents read the API documentation provided in </a:t>
-            </a:r>
-            <a:r>
-              <a:rPr lang="en-US" dirty="0" err="1"/>
-              <a:t>OpenAPI</a:t>
-            </a:r>
-            <a:r>
-              <a:rPr lang="en-US" dirty="0"/>
-              <a:t> format to understand the API actions available to it</a:t>
+              <a:t>&gt; Bedrock Agents use the provided API documentation to understand the API actions available to it</a:t>
             </a:r>
           </a:p>
           <a:p>
             <a:r>
               <a:rPr lang="en-US" dirty="0"/>
-              <a:t>Then using Claude as the foundational model, the Agent determines the next actions using Chain of Thought (</a:t>
+              <a:t>&gt; Then along with our large language model, the Agent determines the next actions using Chain of Thought (</a:t>
             </a:r>
             <a:r>
               <a:rPr lang="en-US" dirty="0" err="1"/>
@@ -1182,14 +1174,20 @@
             </a:r>
             <a:r>
               <a:rPr lang="en-US" dirty="0"/>
-              <a:t>) reasoning along with the configured Guardrails</a:t>
+              <a:t>) reasoning with the configured Guardrails</a:t>
+            </a:r>
+          </a:p>
+          <a:p>
+            <a:r>
+              <a:rPr lang="en-US" dirty="0"/>
+              <a:t>&gt; This could be to</a:t>
             </a:r>
           </a:p>
           <a:p>
             <a:pPr lvl="1"/>
             <a:r>
               <a:rPr lang="en-US" dirty="0"/>
-              <a:t>Whether to prompt the user for additional information</a:t>
+              <a:t>Prompt the user for additional information</a:t>
             </a:r>
           </a:p>
           <a:p>
@@ -4618,7 +4616,7 @@
           </a:prstGeom>
           <a:ln w="28575">
             <a:solidFill>
-              <a:schemeClr val="accent2"/>
+              <a:srgbClr val="008080"/>
             </a:solidFill>
           </a:ln>
         </p:spPr>
@@ -7348,6 +7346,254 @@
   <p:clrMapOvr>
     <a:masterClrMapping/>
   </p:clrMapOvr>
+  <p:timing>
+    <p:tnLst>
+      <p:par>
+        <p:cTn id="1" dur="indefinite" restart="never" nodeType="tmRoot">
+          <p:childTnLst>
+            <p:seq concurrent="1" nextAc="seek">
+              <p:cTn id="2" dur="indefinite" nodeType="mainSeq">
+                <p:childTnLst>
+                  <p:par>
+                    <p:cTn id="3" fill="hold">
+                      <p:stCondLst>
+                        <p:cond delay="indefinite"/>
+                      </p:stCondLst>
+                      <p:childTnLst>
+                        <p:par>
+                          <p:cTn id="4" fill="hold">
+                            <p:stCondLst>
+                              <p:cond delay="0"/>
+                            </p:stCondLst>
+                            <p:childTnLst>
+                              <p:par>
+                                <p:cTn id="5" presetID="10" presetClass="entr" presetSubtype="0" fill="hold" grpId="0" nodeType="clickEffect">
+                                  <p:stCondLst>
+                                    <p:cond delay="0"/>
+                                  </p:stCondLst>
+                                  <p:childTnLst>
+                                    <p:set>
+                                      <p:cBhvr>
+                                        <p:cTn id="6" dur="1" fill="hold">
+                                          <p:stCondLst>
+                                            <p:cond delay="0"/>
+                                          </p:stCondLst>
+                                        </p:cTn>
+                                        <p:tgtEl>
+                                          <p:spTgt spid="3"/>
+                                        </p:tgtEl>
+                                        <p:attrNameLst>
+                                          <p:attrName>style.visibility</p:attrName>
+                                        </p:attrNameLst>
+                                      </p:cBhvr>
+                                      <p:to>
+                                        <p:strVal val="visible"/>
+                                      </p:to>
+                                    </p:set>
+                                    <p:animEffect transition="in" filter="fade">
+                                      <p:cBhvr>
+                                        <p:cTn id="7" dur="500"/>
+                                        <p:tgtEl>
+                                          <p:spTgt spid="3"/>
+                                        </p:tgtEl>
+                                      </p:cBhvr>
+                                    </p:animEffect>
+                                  </p:childTnLst>
+                                </p:cTn>
+                              </p:par>
+                            </p:childTnLst>
+                          </p:cTn>
+                        </p:par>
+                      </p:childTnLst>
+                    </p:cTn>
+                  </p:par>
+                  <p:par>
+                    <p:cTn id="8" fill="hold">
+                      <p:stCondLst>
+                        <p:cond delay="indefinite"/>
+                      </p:stCondLst>
+                      <p:childTnLst>
+                        <p:par>
+                          <p:cTn id="9" fill="hold">
+                            <p:stCondLst>
+                              <p:cond delay="0"/>
+                            </p:stCondLst>
+                            <p:childTnLst>
+                              <p:par>
+                                <p:cTn id="10" presetID="10" presetClass="entr" presetSubtype="0" fill="hold" grpId="0" nodeType="clickEffect">
+                                  <p:stCondLst>
+                                    <p:cond delay="0"/>
+                                  </p:stCondLst>
+                                  <p:childTnLst>
+                                    <p:set>
+                                      <p:cBhvr>
+                                        <p:cTn id="11" dur="1" fill="hold">
+                                          <p:stCondLst>
+                                            <p:cond delay="0"/>
+                                          </p:stCondLst>
+                                        </p:cTn>
+                                        <p:tgtEl>
+                                          <p:spTgt spid="5"/>
+                                        </p:tgtEl>
+                                        <p:attrNameLst>
+                                          <p:attrName>style.visibility</p:attrName>
+                                        </p:attrNameLst>
+                                      </p:cBhvr>
+                                      <p:to>
+                                        <p:strVal val="visible"/>
+                                      </p:to>
+                                    </p:set>
+                                    <p:animEffect transition="in" filter="fade">
+                                      <p:cBhvr>
+                                        <p:cTn id="12" dur="500"/>
+                                        <p:tgtEl>
+                                          <p:spTgt spid="5"/>
+                                        </p:tgtEl>
+                                      </p:cBhvr>
+                                    </p:animEffect>
+                                  </p:childTnLst>
+                                </p:cTn>
+                              </p:par>
+                            </p:childTnLst>
+                          </p:cTn>
+                        </p:par>
+                      </p:childTnLst>
+                    </p:cTn>
+                  </p:par>
+                  <p:par>
+                    <p:cTn id="13" fill="hold">
+                      <p:stCondLst>
+                        <p:cond delay="indefinite"/>
+                      </p:stCondLst>
+                      <p:childTnLst>
+                        <p:par>
+                          <p:cTn id="14" fill="hold">
+                            <p:stCondLst>
+                              <p:cond delay="0"/>
+                            </p:stCondLst>
+                            <p:childTnLst>
+                              <p:par>
+                                <p:cTn id="15" presetID="10" presetClass="entr" presetSubtype="0" fill="hold" grpId="0" nodeType="clickEffect">
+                                  <p:stCondLst>
+                                    <p:cond delay="0"/>
+                                  </p:stCondLst>
+                                  <p:childTnLst>
+                                    <p:set>
+                                      <p:cBhvr>
+                                        <p:cTn id="16" dur="1" fill="hold">
+                                          <p:stCondLst>
+                                            <p:cond delay="0"/>
+                                          </p:stCondLst>
+                                        </p:cTn>
+                                        <p:tgtEl>
+                                          <p:spTgt spid="6"/>
+                                        </p:tgtEl>
+                                        <p:attrNameLst>
+                                          <p:attrName>style.visibility</p:attrName>
+                                        </p:attrNameLst>
+                                      </p:cBhvr>
+                                      <p:to>
+                                        <p:strVal val="visible"/>
+                                      </p:to>
+                                    </p:set>
+                                    <p:animEffect transition="in" filter="fade">
+                                      <p:cBhvr>
+                                        <p:cTn id="17" dur="500"/>
+                                        <p:tgtEl>
+                                          <p:spTgt spid="6"/>
+                                        </p:tgtEl>
+                                      </p:cBhvr>
+                                    </p:animEffect>
+                                  </p:childTnLst>
+                                </p:cTn>
+                              </p:par>
+                            </p:childTnLst>
+                          </p:cTn>
+                        </p:par>
+                      </p:childTnLst>
+                    </p:cTn>
+                  </p:par>
+                  <p:par>
+                    <p:cTn id="18" fill="hold">
+                      <p:stCondLst>
+                        <p:cond delay="indefinite"/>
+                      </p:stCondLst>
+                      <p:childTnLst>
+                        <p:par>
+                          <p:cTn id="19" fill="hold">
+                            <p:stCondLst>
+                              <p:cond delay="0"/>
+                            </p:stCondLst>
+                            <p:childTnLst>
+                              <p:par>
+                                <p:cTn id="20" presetID="10" presetClass="entr" presetSubtype="0" fill="hold" grpId="0" nodeType="clickEffect">
+                                  <p:stCondLst>
+                                    <p:cond delay="0"/>
+                                  </p:stCondLst>
+                                  <p:childTnLst>
+                                    <p:set>
+                                      <p:cBhvr>
+                                        <p:cTn id="21" dur="1" fill="hold">
+                                          <p:stCondLst>
+                                            <p:cond delay="0"/>
+                                          </p:stCondLst>
+                                        </p:cTn>
+                                        <p:tgtEl>
+                                          <p:spTgt spid="7"/>
+                                        </p:tgtEl>
+                                        <p:attrNameLst>
+                                          <p:attrName>style.visibility</p:attrName>
+                                        </p:attrNameLst>
+                                      </p:cBhvr>
+                                      <p:to>
+                                        <p:strVal val="visible"/>
+                                      </p:to>
+                                    </p:set>
+                                    <p:animEffect transition="in" filter="fade">
+                                      <p:cBhvr>
+                                        <p:cTn id="22" dur="500"/>
+                                        <p:tgtEl>
+                                          <p:spTgt spid="7"/>
+                                        </p:tgtEl>
+                                      </p:cBhvr>
+                                    </p:animEffect>
+                                  </p:childTnLst>
+                                </p:cTn>
+                              </p:par>
+                            </p:childTnLst>
+                          </p:cTn>
+                        </p:par>
+                      </p:childTnLst>
+                    </p:cTn>
+                  </p:par>
+                </p:childTnLst>
+              </p:cTn>
+              <p:prevCondLst>
+                <p:cond evt="onPrev" delay="0">
+                  <p:tgtEl>
+                    <p:sldTgt/>
+                  </p:tgtEl>
+                </p:cond>
+              </p:prevCondLst>
+              <p:nextCondLst>
+                <p:cond evt="onNext" delay="0">
+                  <p:tgtEl>
+                    <p:sldTgt/>
+                  </p:tgtEl>
+                </p:cond>
+              </p:nextCondLst>
+            </p:seq>
+          </p:childTnLst>
+        </p:cTn>
+      </p:par>
+    </p:tnLst>
+    <p:bldLst>
+      <p:bldP spid="3" grpId="0" animBg="1"/>
+      <p:bldP spid="5" grpId="0" animBg="1"/>
+      <p:bldP spid="6" grpId="0" animBg="1"/>
+      <p:bldP spid="7" grpId="0" animBg="1"/>
+    </p:bldLst>
+  </p:timing>
 </p:sld>
 </file>
 
@@ -7415,142 +7661,6 @@
           </a:p>
         </p:txBody>
       </p:sp>
-      <p:pic>
-        <p:nvPicPr>
-          <p:cNvPr id="6" name="Google Shape;450;p44">
-            <a:extLst>
-              <a:ext uri="{FF2B5EF4-FFF2-40B4-BE49-F238E27FC236}">
-                <a16:creationId xmlns:a16="http://schemas.microsoft.com/office/drawing/2014/main" id="{A4B5A444-C589-4929-3A2A-A6C563F3D5F4}"/>
-              </a:ext>
-            </a:extLst>
-          </p:cNvPr>
-          <p:cNvPicPr preferRelativeResize="0"/>
-          <p:nvPr/>
-        </p:nvPicPr>
-        <p:blipFill>
-          <a:blip r:embed="rId3">
-            <a:alphaModFix/>
-          </a:blip>
-          <a:stretch>
-            <a:fillRect/>
-          </a:stretch>
-        </p:blipFill>
-        <p:spPr>
-          <a:xfrm>
-            <a:off x="566448" y="539442"/>
-            <a:ext cx="935182" cy="1371599"/>
-          </a:xfrm>
-          <a:prstGeom prst="rect">
-            <a:avLst/>
-          </a:prstGeom>
-          <a:noFill/>
-          <a:ln>
-            <a:noFill/>
-          </a:ln>
-        </p:spPr>
-      </p:pic>
-      <p:pic>
-        <p:nvPicPr>
-          <p:cNvPr id="7" name="Google Shape;451;p44">
-            <a:extLst>
-              <a:ext uri="{FF2B5EF4-FFF2-40B4-BE49-F238E27FC236}">
-                <a16:creationId xmlns:a16="http://schemas.microsoft.com/office/drawing/2014/main" id="{05FAC695-0124-3A79-AA7B-61D84309B0BD}"/>
-              </a:ext>
-            </a:extLst>
-          </p:cNvPr>
-          <p:cNvPicPr preferRelativeResize="0"/>
-          <p:nvPr/>
-        </p:nvPicPr>
-        <p:blipFill>
-          <a:blip r:embed="rId4">
-            <a:alphaModFix/>
-          </a:blip>
-          <a:stretch>
-            <a:fillRect/>
-          </a:stretch>
-        </p:blipFill>
-        <p:spPr>
-          <a:xfrm>
-            <a:off x="7427672" y="3001020"/>
-            <a:ext cx="905959" cy="1280161"/>
-          </a:xfrm>
-          <a:prstGeom prst="rect">
-            <a:avLst/>
-          </a:prstGeom>
-          <a:noFill/>
-          <a:ln>
-            <a:noFill/>
-          </a:ln>
-        </p:spPr>
-      </p:pic>
-      <p:pic>
-        <p:nvPicPr>
-          <p:cNvPr id="8" name="Google Shape;452;p44">
-            <a:extLst>
-              <a:ext uri="{FF2B5EF4-FFF2-40B4-BE49-F238E27FC236}">
-                <a16:creationId xmlns:a16="http://schemas.microsoft.com/office/drawing/2014/main" id="{AD5009AC-8522-0B41-8A92-04D19EF838C5}"/>
-              </a:ext>
-            </a:extLst>
-          </p:cNvPr>
-          <p:cNvPicPr preferRelativeResize="0"/>
-          <p:nvPr/>
-        </p:nvPicPr>
-        <p:blipFill>
-          <a:blip r:embed="rId5">
-            <a:alphaModFix/>
-          </a:blip>
-          <a:stretch>
-            <a:fillRect/>
-          </a:stretch>
-        </p:blipFill>
-        <p:spPr>
-          <a:xfrm>
-            <a:off x="7452299" y="453223"/>
-            <a:ext cx="1139482" cy="1097280"/>
-          </a:xfrm>
-          <a:prstGeom prst="rect">
-            <a:avLst/>
-          </a:prstGeom>
-          <a:noFill/>
-          <a:ln>
-            <a:noFill/>
-          </a:ln>
-        </p:spPr>
-      </p:pic>
-      <p:pic>
-        <p:nvPicPr>
-          <p:cNvPr id="9" name="Google Shape;453;p44">
-            <a:extLst>
-              <a:ext uri="{FF2B5EF4-FFF2-40B4-BE49-F238E27FC236}">
-                <a16:creationId xmlns:a16="http://schemas.microsoft.com/office/drawing/2014/main" id="{D0C865EF-E155-A338-2C4C-304713D75D0B}"/>
-              </a:ext>
-            </a:extLst>
-          </p:cNvPr>
-          <p:cNvPicPr preferRelativeResize="0"/>
-          <p:nvPr/>
-        </p:nvPicPr>
-        <p:blipFill>
-          <a:blip r:embed="rId6">
-            <a:alphaModFix/>
-          </a:blip>
-          <a:stretch>
-            <a:fillRect/>
-          </a:stretch>
-        </p:blipFill>
-        <p:spPr>
-          <a:xfrm flipH="1">
-            <a:off x="946749" y="3437303"/>
-            <a:ext cx="1124772" cy="1132812"/>
-          </a:xfrm>
-          <a:prstGeom prst="rect">
-            <a:avLst/>
-          </a:prstGeom>
-          <a:noFill/>
-          <a:ln>
-            <a:noFill/>
-          </a:ln>
-        </p:spPr>
-      </p:pic>
       <p:sp>
         <p:nvSpPr>
           <p:cNvPr id="10" name="Google Shape;458;p45">
@@ -7567,7 +7677,7 @@
         </p:nvSpPr>
         <p:spPr>
           <a:xfrm>
-            <a:off x="1776240" y="1874165"/>
+            <a:off x="1776240" y="2081759"/>
             <a:ext cx="5535448" cy="1292478"/>
           </a:xfrm>
           <a:prstGeom prst="rect">
@@ -7849,7 +7959,7 @@
           <a:p>
             <a:r>
               <a:rPr lang="en-US" dirty="0">
-                <a:hlinkClick r:id="rId7"/>
+                <a:hlinkClick r:id="rId3"/>
               </a:rPr>
               <a:t>https://github.com/eric-bach/kanoe</a:t>
             </a:r>
@@ -7857,7 +7967,7 @@
           <a:p>
             <a:r>
               <a:rPr lang="en-US" dirty="0">
-                <a:hlinkClick r:id="rId7"/>
+                <a:hlinkClick r:id="rId3"/>
               </a:rPr>
               <a:t>https://docs.aws.amazon.com/bedrock/latest/userguide/agents.html</a:t>
             </a:r>
@@ -7865,7 +7975,7 @@
           <a:p>
             <a:r>
               <a:rPr lang="en-US" dirty="0">
-                <a:hlinkClick r:id="rId7"/>
+                <a:hlinkClick r:id="rId3"/>
               </a:rPr>
               <a:t>https://medium.com/ama-tech-blog</a:t>
             </a:r>
@@ -7922,7 +8032,7 @@
             </a:pPr>
             <a:r>
               <a:rPr lang="en-US" sz="1600" dirty="0">
-                <a:hlinkClick r:id="rId8"/>
+                <a:hlinkClick r:id="rId4"/>
               </a:rPr>
               <a:t>https://kanoe.ericbach.dev</a:t>
             </a:r>
@@ -7944,7 +8054,7 @@
         </p:nvGrpSpPr>
         <p:grpSpPr>
           <a:xfrm>
-            <a:off x="3870317" y="3537821"/>
+            <a:off x="3870317" y="3672282"/>
             <a:ext cx="1347294" cy="931776"/>
             <a:chOff x="8101240" y="3647046"/>
             <a:chExt cx="1748930" cy="1209543"/>
@@ -7965,7 +8075,7 @@
             <p:nvPr/>
           </p:nvPicPr>
           <p:blipFill>
-            <a:blip r:embed="rId9">
+            <a:blip r:embed="rId5">
               <a:extLst>
                 <a:ext uri="{28A0092B-C50C-407E-A947-70E740481C1C}">
                   <a14:useLocalDpi xmlns:a14="http://schemas.microsoft.com/office/drawing/2010/main" val="0"/>
@@ -8012,7 +8122,7 @@
             <p:nvPr/>
           </p:nvPicPr>
           <p:blipFill>
-            <a:blip r:embed="rId10">
+            <a:blip r:embed="rId6">
               <a:extLst>
                 <a:ext uri="{28A0092B-C50C-407E-A947-70E740481C1C}">
                   <a14:useLocalDpi xmlns:a14="http://schemas.microsoft.com/office/drawing/2010/main" val="0"/>

--- a/kanoe.pptx
+++ b/kanoe.pptx
@@ -805,6 +805,31 @@
               <a:t>We’ll see how we can simplify the integration challenges we face today in a responsible generative AI way</a:t>
             </a:r>
           </a:p>
+          <a:p>
+            <a:pPr marL="171450" lvl="0" indent="-171450" algn="l" rtl="0">
+              <a:spcBef>
+                <a:spcPts val="0"/>
+              </a:spcBef>
+              <a:spcAft>
+                <a:spcPts val="0"/>
+              </a:spcAft>
+            </a:pPr>
+            <a:r>
+              <a:rPr lang="en-CA" dirty="0"/>
+              <a:t>So let’s get started with a couple topics before we see how this all takes off</a:t>
+            </a:r>
+          </a:p>
+          <a:p>
+            <a:pPr marL="171450" lvl="0" indent="-171450" algn="l" rtl="0">
+              <a:spcBef>
+                <a:spcPts val="0"/>
+              </a:spcBef>
+              <a:spcAft>
+                <a:spcPts val="0"/>
+              </a:spcAft>
+            </a:pPr>
+            <a:endParaRPr lang="en-CA" dirty="0"/>
+          </a:p>
         </p:txBody>
       </p:sp>
     </p:spTree>
@@ -878,7 +903,7 @@
           <a:p>
             <a:r>
               <a:rPr lang="en-US" dirty="0"/>
-              <a:t>This means agents can make API calls without writing any orchestration code</a:t>
+              <a:t>This means agents can make API calls without us having to write any orchestration code</a:t>
             </a:r>
           </a:p>
           <a:p>
@@ -953,35 +978,35 @@
           <a:p>
             <a:r>
               <a:rPr lang="en-CA" dirty="0"/>
-              <a:t>Maintaining a relevant and safe user experience means we must manage the interactions carefully, from</a:t>
+              <a:t>Maintaining trust with AI involves managing how the user interacts with our app to ensure we provide safety and guide positive outcomes, from</a:t>
             </a:r>
           </a:p>
           <a:p>
             <a:pPr lvl="1"/>
             <a:r>
               <a:rPr lang="en-CA" dirty="0"/>
-              <a:t>Restricting undesirable topics like legal advice,</a:t>
+              <a:t>Restricting undesirable topics such as legal advice,</a:t>
             </a:r>
           </a:p>
           <a:p>
             <a:pPr lvl="1"/>
             <a:r>
               <a:rPr lang="en-CA" dirty="0"/>
-              <a:t>Filtering harmful content, such as hate language,</a:t>
+              <a:t>Filtering harmful content, like hate language,</a:t>
             </a:r>
           </a:p>
           <a:p>
             <a:pPr lvl="1"/>
             <a:r>
               <a:rPr lang="en-CA" dirty="0"/>
-              <a:t>To redacting sensitive personally identifiable information</a:t>
+              <a:t>And redacting sensitive personally identifiable information</a:t>
             </a:r>
           </a:p>
           <a:p>
             <a:pPr lvl="0"/>
             <a:r>
               <a:rPr lang="en-CA" dirty="0"/>
-              <a:t>Guardrails for Amazon Bedrock allows for the configuration of custom rules to detect and block such interactions</a:t>
+              <a:t>Guardrails for Amazon Bedrock provides the governance of safeguards to build our apps in a responsible way</a:t>
             </a:r>
           </a:p>
         </p:txBody>
@@ -1050,7 +1075,7 @@
           <a:p>
             <a:r>
               <a:rPr lang="en-US" dirty="0"/>
-              <a:t>KANOE demonstrates how we can apply Agents and Guardrails to orchestrate and execute calls safely between our systems</a:t>
+              <a:t>We will see how KANOE applies Agentic AI with Guardrails to orchestrate and execute tasks safely between our systems</a:t>
             </a:r>
           </a:p>
           <a:p>
@@ -1160,13 +1185,13 @@
           <a:p>
             <a:r>
               <a:rPr lang="en-US" dirty="0"/>
-              <a:t>&gt; Bedrock Agents use the provided API documentation to understand the API actions available to it</a:t>
+              <a:t>&gt; Bedrock Agents provide the LLM with the API documentation to infer the actions available to it</a:t>
             </a:r>
           </a:p>
           <a:p>
             <a:r>
               <a:rPr lang="en-US" dirty="0"/>
-              <a:t>&gt; Then along with our large language model, the Agent determines the next actions using Chain of Thought (</a:t>
+              <a:t>&gt; Then along with the prompt and the configured Guardrails, the Agent determines the next actions using Chain of Thought (</a:t>
             </a:r>
             <a:r>
               <a:rPr lang="en-US" dirty="0" err="1"/>
@@ -1174,34 +1199,7 @@
             </a:r>
             <a:r>
               <a:rPr lang="en-US" dirty="0"/>
-              <a:t>) reasoning with the configured Guardrails</a:t>
-            </a:r>
-          </a:p>
-          <a:p>
-            <a:r>
-              <a:rPr lang="en-US" dirty="0"/>
-              <a:t>&gt; This could be to</a:t>
-            </a:r>
-          </a:p>
-          <a:p>
-            <a:pPr lvl="1"/>
-            <a:r>
-              <a:rPr lang="en-US" dirty="0"/>
-              <a:t>Prompt the user for additional information</a:t>
-            </a:r>
-          </a:p>
-          <a:p>
-            <a:pPr lvl="1"/>
-            <a:r>
-              <a:rPr lang="en-US" dirty="0"/>
-              <a:t>Orchestrate an action through an Action Group to invoke external APIs</a:t>
-            </a:r>
-          </a:p>
-          <a:p>
-            <a:pPr lvl="1"/>
-            <a:r>
-              <a:rPr lang="en-US" dirty="0"/>
-              <a:t>Or, deny the request</a:t>
+              <a:t>) reasoning</a:t>
             </a:r>
           </a:p>
         </p:txBody>
@@ -1270,13 +1268,21 @@
           <a:p>
             <a:r>
               <a:rPr lang="en-US" dirty="0"/>
-              <a:t>The potential for this technology goes beyond just a chatbot for booking flights, I just use this as an example for demonstration.  </a:t>
+              <a:t>Of course, the potential of this technology goes beyond just a chatbot for booking flights, I just use this as an example for demonstration</a:t>
             </a:r>
           </a:p>
           <a:p>
             <a:r>
               <a:rPr lang="en-US" dirty="0"/>
-              <a:t>So while we see this in action, I ask of you to think of how you can apply this to potential problems you may be experiencing today</a:t>
+              <a:t>While we see this </a:t>
+            </a:r>
+            <a:r>
+              <a:rPr lang="en-US"/>
+              <a:t>in action, </a:t>
+            </a:r>
+            <a:r>
+              <a:rPr lang="en-US" dirty="0"/>
+              <a:t>I ask of you to think of how best you can apply this to potential problems you may be experiencing today</a:t>
             </a:r>
           </a:p>
         </p:txBody>
@@ -7236,7 +7242,7 @@
         </p:nvSpPr>
         <p:spPr>
           <a:xfrm>
-            <a:off x="5312594" y="1065507"/>
+            <a:off x="6621564" y="2303754"/>
             <a:ext cx="373380" cy="373380"/>
           </a:xfrm>
           <a:prstGeom prst="ellipse">
@@ -7275,63 +7281,6 @@
             <a:r>
               <a:rPr lang="en-US" b="1" dirty="0"/>
               <a:t>3</a:t>
-            </a:r>
-          </a:p>
-        </p:txBody>
-      </p:sp>
-      <p:sp>
-        <p:nvSpPr>
-          <p:cNvPr id="7" name="Oval 6">
-            <a:extLst>
-              <a:ext uri="{FF2B5EF4-FFF2-40B4-BE49-F238E27FC236}">
-                <a16:creationId xmlns:a16="http://schemas.microsoft.com/office/drawing/2014/main" id="{245C71E6-1B0F-BD07-B1DE-AC5E316058A7}"/>
-              </a:ext>
-            </a:extLst>
-          </p:cNvPr>
-          <p:cNvSpPr/>
-          <p:nvPr/>
-        </p:nvSpPr>
-        <p:spPr>
-          <a:xfrm>
-            <a:off x="6662785" y="2303754"/>
-            <a:ext cx="373380" cy="373380"/>
-          </a:xfrm>
-          <a:prstGeom prst="ellipse">
-            <a:avLst/>
-          </a:prstGeom>
-          <a:solidFill>
-            <a:schemeClr val="tx2"/>
-          </a:solidFill>
-          <a:ln>
-            <a:solidFill>
-              <a:schemeClr val="tx2"/>
-            </a:solidFill>
-          </a:ln>
-        </p:spPr>
-        <p:style>
-          <a:lnRef idx="2">
-            <a:schemeClr val="accent1">
-              <a:shade val="15000"/>
-            </a:schemeClr>
-          </a:lnRef>
-          <a:fillRef idx="1">
-            <a:schemeClr val="accent1"/>
-          </a:fillRef>
-          <a:effectRef idx="0">
-            <a:schemeClr val="accent1"/>
-          </a:effectRef>
-          <a:fontRef idx="minor">
-            <a:schemeClr val="lt1"/>
-          </a:fontRef>
-        </p:style>
-        <p:txBody>
-          <a:bodyPr rtlCol="0" anchor="ctr"/>
-          <a:lstStyle/>
-          <a:p>
-            <a:pPr algn="ctr"/>
-            <a:r>
-              <a:rPr lang="en-US" b="1" dirty="0"/>
-              <a:t>4</a:t>
             </a:r>
           </a:p>
         </p:txBody>
@@ -7513,59 +7462,6 @@
                       </p:childTnLst>
                     </p:cTn>
                   </p:par>
-                  <p:par>
-                    <p:cTn id="18" fill="hold">
-                      <p:stCondLst>
-                        <p:cond delay="indefinite"/>
-                      </p:stCondLst>
-                      <p:childTnLst>
-                        <p:par>
-                          <p:cTn id="19" fill="hold">
-                            <p:stCondLst>
-                              <p:cond delay="0"/>
-                            </p:stCondLst>
-                            <p:childTnLst>
-                              <p:par>
-                                <p:cTn id="20" presetID="10" presetClass="entr" presetSubtype="0" fill="hold" grpId="0" nodeType="clickEffect">
-                                  <p:stCondLst>
-                                    <p:cond delay="0"/>
-                                  </p:stCondLst>
-                                  <p:childTnLst>
-                                    <p:set>
-                                      <p:cBhvr>
-                                        <p:cTn id="21" dur="1" fill="hold">
-                                          <p:stCondLst>
-                                            <p:cond delay="0"/>
-                                          </p:stCondLst>
-                                        </p:cTn>
-                                        <p:tgtEl>
-                                          <p:spTgt spid="7"/>
-                                        </p:tgtEl>
-                                        <p:attrNameLst>
-                                          <p:attrName>style.visibility</p:attrName>
-                                        </p:attrNameLst>
-                                      </p:cBhvr>
-                                      <p:to>
-                                        <p:strVal val="visible"/>
-                                      </p:to>
-                                    </p:set>
-                                    <p:animEffect transition="in" filter="fade">
-                                      <p:cBhvr>
-                                        <p:cTn id="22" dur="500"/>
-                                        <p:tgtEl>
-                                          <p:spTgt spid="7"/>
-                                        </p:tgtEl>
-                                      </p:cBhvr>
-                                    </p:animEffect>
-                                  </p:childTnLst>
-                                </p:cTn>
-                              </p:par>
-                            </p:childTnLst>
-                          </p:cTn>
-                        </p:par>
-                      </p:childTnLst>
-                    </p:cTn>
-                  </p:par>
                 </p:childTnLst>
               </p:cTn>
               <p:prevCondLst>
@@ -7591,7 +7487,6 @@
       <p:bldP spid="3" grpId="0" animBg="1"/>
       <p:bldP spid="5" grpId="0" animBg="1"/>
       <p:bldP spid="6" grpId="0" animBg="1"/>
-      <p:bldP spid="7" grpId="0" animBg="1"/>
     </p:bldLst>
   </p:timing>
 </p:sld>
